--- a/Pro lektory/Prezentace.pptx
+++ b/Pro lektory/Prezentace.pptx
@@ -5,7 +5,7 @@
     <p:sldMasterId id="2147483659" r:id="rId1"/>
   </p:sldMasterIdLst>
   <p:notesMasterIdLst>
-    <p:notesMasterId r:id="rId17"/>
+    <p:notesMasterId r:id="rId18"/>
   </p:notesMasterIdLst>
   <p:sldIdLst>
     <p:sldId id="256" r:id="rId2"/>
@@ -21,30 +21,31 @@
     <p:sldId id="268" r:id="rId12"/>
     <p:sldId id="269" r:id="rId13"/>
     <p:sldId id="270" r:id="rId14"/>
-    <p:sldId id="257" r:id="rId15"/>
-    <p:sldId id="272" r:id="rId16"/>
+    <p:sldId id="273" r:id="rId15"/>
+    <p:sldId id="257" r:id="rId16"/>
+    <p:sldId id="272" r:id="rId17"/>
   </p:sldIdLst>
   <p:sldSz cx="12192000" cy="6858000"/>
   <p:notesSz cx="6858000" cy="9144000"/>
   <p:embeddedFontLst>
     <p:embeddedFont>
-      <p:font typeface="Open Sans" panose="020B0606030504020204" pitchFamily="34" charset="0"/>
-      <p:regular r:id="rId18"/>
-      <p:bold r:id="rId19"/>
-      <p:italic r:id="rId20"/>
-      <p:boldItalic r:id="rId21"/>
+      <p:font typeface="Calibri" pitchFamily="34" charset="0"/>
+      <p:regular r:id="rId19"/>
+      <p:bold r:id="rId20"/>
+      <p:italic r:id="rId21"/>
+      <p:boldItalic r:id="rId22"/>
     </p:embeddedFont>
     <p:embeddedFont>
-      <p:font typeface="Amatic SC" panose="020B0604020202020204" charset="0"/>
-      <p:regular r:id="rId22"/>
-      <p:bold r:id="rId23"/>
+      <p:font typeface="Amatic SC" charset="0"/>
+      <p:regular r:id="rId23"/>
+      <p:bold r:id="rId24"/>
     </p:embeddedFont>
     <p:embeddedFont>
-      <p:font typeface="Calibri" panose="020F0502020204030204" pitchFamily="34" charset="0"/>
-      <p:regular r:id="rId24"/>
-      <p:bold r:id="rId25"/>
-      <p:italic r:id="rId26"/>
-      <p:boldItalic r:id="rId27"/>
+      <p:font typeface="Open Sans" charset="0"/>
+      <p:regular r:id="rId25"/>
+      <p:bold r:id="rId26"/>
+      <p:italic r:id="rId27"/>
+      <p:boldItalic r:id="rId28"/>
     </p:embeddedFont>
   </p:embeddedFontLst>
   <p:defaultTextStyle>
@@ -4792,8 +4793,8 @@
         </p:nvSpPr>
         <p:spPr>
           <a:xfrm>
-            <a:off x="1081350" y="1196752"/>
-            <a:ext cx="10029300" cy="2592288"/>
+            <a:off x="0" y="980728"/>
+            <a:ext cx="12192000" cy="1728192"/>
           </a:xfrm>
           <a:prstGeom prst="rect">
             <a:avLst/>
@@ -4815,7 +4816,7 @@
               <a:buNone/>
             </a:pPr>
             <a:r>
-              <a:rPr lang="cs-CZ" sz="7200" b="1" smtClean="0">
+              <a:rPr lang="cs-CZ" sz="7200" b="1" dirty="0" smtClean="0">
                 <a:effectLst>
                   <a:outerShdw blurRad="38100" dist="38100" dir="2700000" algn="tl">
                     <a:srgbClr val="000000">
@@ -4825,47 +4826,9 @@
                 </a:effectLst>
                 <a:latin typeface="Calibri" panose="020F0502020204030204" pitchFamily="34" charset="0"/>
               </a:rPr>
-              <a:t>Úvod do </a:t>
-            </a:r>
-            <a:r>
-              <a:rPr lang="cs-CZ" sz="7200" b="1" smtClean="0">
-                <a:effectLst>
-                  <a:outerShdw blurRad="38100" dist="38100" dir="2700000" algn="tl">
-                    <a:srgbClr val="000000">
-                      <a:alpha val="43137"/>
-                    </a:srgbClr>
-                  </a:outerShdw>
-                </a:effectLst>
-                <a:latin typeface="Calibri" panose="020F0502020204030204" pitchFamily="34" charset="0"/>
-              </a:rPr>
-              <a:t>programování II</a:t>
-            </a:r>
-            <a:br>
-              <a:rPr lang="cs-CZ" sz="7200" b="1" smtClean="0">
-                <a:effectLst>
-                  <a:outerShdw blurRad="38100" dist="38100" dir="2700000" algn="tl">
-                    <a:srgbClr val="000000">
-                      <a:alpha val="43137"/>
-                    </a:srgbClr>
-                  </a:outerShdw>
-                </a:effectLst>
-                <a:latin typeface="Calibri" panose="020F0502020204030204" pitchFamily="34" charset="0"/>
-              </a:rPr>
-            </a:br>
-            <a:r>
-              <a:rPr lang="cs-CZ" sz="7200" b="1" smtClean="0">
-                <a:effectLst>
-                  <a:outerShdw blurRad="38100" dist="38100" dir="2700000" algn="tl">
-                    <a:srgbClr val="000000">
-                      <a:alpha val="43137"/>
-                    </a:srgbClr>
-                  </a:outerShdw>
-                </a:effectLst>
-                <a:latin typeface="Calibri" panose="020F0502020204030204" pitchFamily="34" charset="0"/>
-              </a:rPr>
-              <a:t>Java</a:t>
-            </a:r>
-            <a:endParaRPr sz="7200" b="1">
+              <a:t>Úvod do programování 2 - Java</a:t>
+            </a:r>
+            <a:endParaRPr sz="7200" b="1" dirty="0">
               <a:effectLst>
                 <a:outerShdw blurRad="38100" dist="38100" dir="2700000" algn="tl">
                   <a:srgbClr val="000000">
@@ -4890,8 +4853,8 @@
         </p:nvSpPr>
         <p:spPr>
           <a:xfrm>
-            <a:off x="47328" y="4005064"/>
-            <a:ext cx="12025336" cy="1296144"/>
+            <a:off x="47328" y="2708920"/>
+            <a:ext cx="12025336" cy="1080120"/>
           </a:xfrm>
           <a:prstGeom prst="rect">
             <a:avLst/>
@@ -4913,7 +4876,7 @@
               <a:buNone/>
             </a:pPr>
             <a:r>
-              <a:rPr lang="cs-CZ" sz="5400" b="1" smtClean="0">
+              <a:rPr lang="cs-CZ" sz="5400" b="1" dirty="0" smtClean="0">
                 <a:solidFill>
                   <a:schemeClr val="accent1"/>
                 </a:solidFill>
@@ -4928,6 +4891,292 @@
               </a:rPr>
               <a:t>Kamil Ševeček</a:t>
             </a:r>
+          </a:p>
+        </p:txBody>
+      </p:sp>
+      <p:sp>
+        <p:nvSpPr>
+          <p:cNvPr id="5" name="Shape 59"/>
+          <p:cNvSpPr txBox="1">
+            <a:spLocks/>
+          </p:cNvSpPr>
+          <p:nvPr/>
+        </p:nvSpPr>
+        <p:spPr>
+          <a:xfrm>
+            <a:off x="0" y="4149080"/>
+            <a:ext cx="12192000" cy="1224136"/>
+          </a:xfrm>
+          <a:prstGeom prst="rect">
+            <a:avLst/>
+          </a:prstGeom>
+          <a:noFill/>
+          <a:ln>
+            <a:noFill/>
+          </a:ln>
+        </p:spPr>
+        <p:txBody>
+          <a:bodyPr spcFirstLastPara="1" wrap="square" lIns="91425" tIns="91425" rIns="91425" bIns="91425" anchor="ctr" anchorCtr="0">
+            <a:noAutofit/>
+          </a:bodyPr>
+          <a:lstStyle>
+            <a:defPPr marR="0" lvl="0" algn="l" rtl="0">
+              <a:lnSpc>
+                <a:spcPct val="100000"/>
+              </a:lnSpc>
+              <a:spcBef>
+                <a:spcPts val="0"/>
+              </a:spcBef>
+              <a:spcAft>
+                <a:spcPts val="0"/>
+              </a:spcAft>
+            </a:defPPr>
+            <a:lvl1pPr marL="0" marR="0" lvl="0" indent="0" algn="l" rtl="0">
+              <a:lnSpc>
+                <a:spcPct val="90000"/>
+              </a:lnSpc>
+              <a:spcBef>
+                <a:spcPts val="0"/>
+              </a:spcBef>
+              <a:spcAft>
+                <a:spcPts val="0"/>
+              </a:spcAft>
+              <a:buClr>
+                <a:schemeClr val="lt1"/>
+              </a:buClr>
+              <a:buSzPts val="5800"/>
+              <a:buNone/>
+              <a:defRPr sz="5800" b="0" i="0" u="none" strike="noStrike" cap="none">
+                <a:solidFill>
+                  <a:schemeClr val="lt1"/>
+                </a:solidFill>
+                <a:latin typeface="Arial"/>
+                <a:ea typeface="Arial"/>
+                <a:cs typeface="Arial"/>
+                <a:sym typeface="Arial"/>
+              </a:defRPr>
+            </a:lvl1pPr>
+            <a:lvl2pPr lvl="1" indent="0" rtl="0">
+              <a:spcBef>
+                <a:spcPts val="0"/>
+              </a:spcBef>
+              <a:spcAft>
+                <a:spcPts val="0"/>
+              </a:spcAft>
+              <a:buClr>
+                <a:schemeClr val="lt1"/>
+              </a:buClr>
+              <a:buSzPts val="1400"/>
+              <a:buNone/>
+              <a:defRPr sz="1800">
+                <a:solidFill>
+                  <a:schemeClr val="lt1"/>
+                </a:solidFill>
+              </a:defRPr>
+            </a:lvl2pPr>
+            <a:lvl3pPr lvl="2" indent="0" rtl="0">
+              <a:spcBef>
+                <a:spcPts val="0"/>
+              </a:spcBef>
+              <a:spcAft>
+                <a:spcPts val="0"/>
+              </a:spcAft>
+              <a:buClr>
+                <a:schemeClr val="lt1"/>
+              </a:buClr>
+              <a:buSzPts val="1400"/>
+              <a:buNone/>
+              <a:defRPr sz="1800">
+                <a:solidFill>
+                  <a:schemeClr val="lt1"/>
+                </a:solidFill>
+              </a:defRPr>
+            </a:lvl3pPr>
+            <a:lvl4pPr lvl="3" indent="0" rtl="0">
+              <a:spcBef>
+                <a:spcPts val="0"/>
+              </a:spcBef>
+              <a:spcAft>
+                <a:spcPts val="0"/>
+              </a:spcAft>
+              <a:buClr>
+                <a:schemeClr val="lt1"/>
+              </a:buClr>
+              <a:buSzPts val="1400"/>
+              <a:buNone/>
+              <a:defRPr sz="1800">
+                <a:solidFill>
+                  <a:schemeClr val="lt1"/>
+                </a:solidFill>
+              </a:defRPr>
+            </a:lvl4pPr>
+            <a:lvl5pPr lvl="4" indent="0" rtl="0">
+              <a:spcBef>
+                <a:spcPts val="0"/>
+              </a:spcBef>
+              <a:spcAft>
+                <a:spcPts val="0"/>
+              </a:spcAft>
+              <a:buClr>
+                <a:schemeClr val="lt1"/>
+              </a:buClr>
+              <a:buSzPts val="1400"/>
+              <a:buNone/>
+              <a:defRPr sz="1800">
+                <a:solidFill>
+                  <a:schemeClr val="lt1"/>
+                </a:solidFill>
+              </a:defRPr>
+            </a:lvl5pPr>
+            <a:lvl6pPr lvl="5" indent="0" rtl="0">
+              <a:spcBef>
+                <a:spcPts val="0"/>
+              </a:spcBef>
+              <a:spcAft>
+                <a:spcPts val="0"/>
+              </a:spcAft>
+              <a:buClr>
+                <a:schemeClr val="lt1"/>
+              </a:buClr>
+              <a:buSzPts val="1400"/>
+              <a:buNone/>
+              <a:defRPr sz="1800">
+                <a:solidFill>
+                  <a:schemeClr val="lt1"/>
+                </a:solidFill>
+              </a:defRPr>
+            </a:lvl6pPr>
+            <a:lvl7pPr lvl="6" indent="0" rtl="0">
+              <a:spcBef>
+                <a:spcPts val="0"/>
+              </a:spcBef>
+              <a:spcAft>
+                <a:spcPts val="0"/>
+              </a:spcAft>
+              <a:buClr>
+                <a:schemeClr val="lt1"/>
+              </a:buClr>
+              <a:buSzPts val="1400"/>
+              <a:buNone/>
+              <a:defRPr sz="1800">
+                <a:solidFill>
+                  <a:schemeClr val="lt1"/>
+                </a:solidFill>
+              </a:defRPr>
+            </a:lvl7pPr>
+            <a:lvl8pPr lvl="7" indent="0" rtl="0">
+              <a:spcBef>
+                <a:spcPts val="0"/>
+              </a:spcBef>
+              <a:spcAft>
+                <a:spcPts val="0"/>
+              </a:spcAft>
+              <a:buClr>
+                <a:schemeClr val="lt1"/>
+              </a:buClr>
+              <a:buSzPts val="1400"/>
+              <a:buNone/>
+              <a:defRPr sz="1800">
+                <a:solidFill>
+                  <a:schemeClr val="lt1"/>
+                </a:solidFill>
+              </a:defRPr>
+            </a:lvl8pPr>
+            <a:lvl9pPr lvl="8" indent="0" rtl="0">
+              <a:spcBef>
+                <a:spcPts val="0"/>
+              </a:spcBef>
+              <a:spcAft>
+                <a:spcPts val="0"/>
+              </a:spcAft>
+              <a:buClr>
+                <a:schemeClr val="lt1"/>
+              </a:buClr>
+              <a:buSzPts val="1400"/>
+              <a:buNone/>
+              <a:defRPr sz="1800">
+                <a:solidFill>
+                  <a:schemeClr val="lt1"/>
+                </a:solidFill>
+              </a:defRPr>
+            </a:lvl9pPr>
+          </a:lstStyle>
+          <a:p>
+            <a:pPr algn="ctr"/>
+            <a:r>
+              <a:rPr lang="pt-BR" sz="3900" b="1" dirty="0" smtClean="0">
+                <a:effectLst>
+                  <a:outerShdw blurRad="38100" dist="38100" dir="2700000" algn="tl">
+                    <a:srgbClr val="000000">
+                      <a:alpha val="43137"/>
+                    </a:srgbClr>
+                  </a:outerShdw>
+                </a:effectLst>
+                <a:latin typeface="Calibri" panose="020F0502020204030204" pitchFamily="34" charset="0"/>
+              </a:rPr>
+              <a:t>St</a:t>
+            </a:r>
+            <a:r>
+              <a:rPr lang="cs-CZ" sz="3900" b="1" dirty="0" smtClean="0">
+                <a:effectLst>
+                  <a:outerShdw blurRad="38100" dist="38100" dir="2700000" algn="tl">
+                    <a:srgbClr val="000000">
+                      <a:alpha val="43137"/>
+                    </a:srgbClr>
+                  </a:outerShdw>
+                </a:effectLst>
+                <a:latin typeface="Calibri" panose="020F0502020204030204" pitchFamily="34" charset="0"/>
+              </a:rPr>
+              <a:t>áhněte si příklady:</a:t>
+            </a:r>
+            <a:r>
+              <a:rPr lang="cs-CZ" sz="3900" b="1" dirty="0">
+                <a:effectLst>
+                  <a:outerShdw blurRad="38100" dist="38100" dir="2700000" algn="tl">
+                    <a:srgbClr val="000000">
+                      <a:alpha val="43137"/>
+                    </a:srgbClr>
+                  </a:outerShdw>
+                </a:effectLst>
+                <a:latin typeface="Calibri" panose="020F0502020204030204" pitchFamily="34" charset="0"/>
+              </a:rPr>
+              <a:t/>
+            </a:r>
+            <a:br>
+              <a:rPr lang="cs-CZ" sz="3900" b="1" dirty="0">
+                <a:effectLst>
+                  <a:outerShdw blurRad="38100" dist="38100" dir="2700000" algn="tl">
+                    <a:srgbClr val="000000">
+                      <a:alpha val="43137"/>
+                    </a:srgbClr>
+                  </a:outerShdw>
+                </a:effectLst>
+                <a:latin typeface="Calibri" panose="020F0502020204030204" pitchFamily="34" charset="0"/>
+              </a:rPr>
+            </a:br>
+            <a:r>
+              <a:rPr lang="cs-CZ" sz="3900" b="1" dirty="0">
+                <a:effectLst>
+                  <a:outerShdw blurRad="38100" dist="38100" dir="2700000" algn="tl">
+                    <a:srgbClr val="000000">
+                      <a:alpha val="43137"/>
+                    </a:srgbClr>
+                  </a:outerShdw>
+                </a:effectLst>
+                <a:latin typeface="Calibri" panose="020F0502020204030204" pitchFamily="34" charset="0"/>
+              </a:rPr>
+              <a:t>https://javabrno.czechitas.cz/2019-podzim/java-uvod-2/</a:t>
+            </a:r>
+            <a:endParaRPr lang="pt-BR" sz="3900" b="1" dirty="0">
+              <a:effectLst>
+                <a:outerShdw blurRad="38100" dist="38100" dir="2700000" algn="tl">
+                  <a:srgbClr val="000000">
+                    <a:alpha val="43137"/>
+                  </a:srgbClr>
+                </a:outerShdw>
+              </a:effectLst>
+              <a:latin typeface="Calibri" panose="020F0502020204030204" pitchFamily="34" charset="0"/>
+            </a:endParaRPr>
           </a:p>
         </p:txBody>
       </p:sp>
@@ -5008,7 +5257,7 @@
           <a:graphicData uri="http://schemas.openxmlformats.org/presentationml/2006/ole">
             <mc:AlternateContent xmlns:mc="http://schemas.openxmlformats.org/markup-compatibility/2006">
               <mc:Choice xmlns:v="urn:schemas-microsoft-com:vml" Requires="v">
-                <p:oleObj spid="_x0000_s2086" name="Visio" r:id="rId3" imgW="4439731" imgH="2207494" progId="Visio.Drawing.11">
+                <p:oleObj spid="_x0000_s2098" name="Visio" r:id="rId3" imgW="4439731" imgH="2207494" progId="Visio.Drawing.11">
                   <p:embed/>
                 </p:oleObj>
               </mc:Choice>
@@ -5079,7 +5328,7 @@
           <a:graphicData uri="http://schemas.openxmlformats.org/presentationml/2006/ole">
             <mc:AlternateContent xmlns:mc="http://schemas.openxmlformats.org/markup-compatibility/2006">
               <mc:Choice xmlns:v="urn:schemas-microsoft-com:vml" Requires="v">
-                <p:oleObj spid="_x0000_s2087" name="Visio" r:id="rId5" imgW="4439731" imgH="2693595" progId="Visio.Drawing.11">
+                <p:oleObj spid="_x0000_s2099" name="Visio" r:id="rId5" imgW="4439731" imgH="2693595" progId="Visio.Drawing.11">
                   <p:embed/>
                 </p:oleObj>
               </mc:Choice>
@@ -5187,7 +5436,7 @@
           <a:graphicData uri="http://schemas.openxmlformats.org/presentationml/2006/ole">
             <mc:AlternateContent xmlns:mc="http://schemas.openxmlformats.org/markup-compatibility/2006">
               <mc:Choice xmlns:v="urn:schemas-microsoft-com:vml" Requires="v">
-                <p:oleObj spid="_x0000_s3110" name="Visio" r:id="rId3" imgW="4439731" imgH="1667667" progId="Visio.Drawing.11">
+                <p:oleObj spid="_x0000_s3122" name="Visio" r:id="rId3" imgW="4439731" imgH="1667667" progId="Visio.Drawing.11">
                   <p:embed/>
                 </p:oleObj>
               </mc:Choice>
@@ -5286,7 +5535,7 @@
           <a:graphicData uri="http://schemas.openxmlformats.org/presentationml/2006/ole">
             <mc:AlternateContent xmlns:mc="http://schemas.openxmlformats.org/markup-compatibility/2006">
               <mc:Choice xmlns:v="urn:schemas-microsoft-com:vml" Requires="v">
-                <p:oleObj spid="_x0000_s3111" name="Visio" r:id="rId5" imgW="5231644" imgH="5753471" progId="Visio.Drawing.11">
+                <p:oleObj spid="_x0000_s3123" name="Visio" r:id="rId5" imgW="5231644" imgH="5753471" progId="Visio.Drawing.11">
                   <p:embed/>
                 </p:oleObj>
               </mc:Choice>
@@ -5423,7 +5672,7 @@
           <a:graphicData uri="http://schemas.openxmlformats.org/presentationml/2006/ole">
             <mc:AlternateContent xmlns:mc="http://schemas.openxmlformats.org/markup-compatibility/2006">
               <mc:Choice xmlns:v="urn:schemas-microsoft-com:vml" Requires="v">
-                <p:oleObj spid="_x0000_s4116" name="Visio" r:id="rId3" imgW="8651769" imgH="3466215" progId="Visio.Drawing.11">
+                <p:oleObj spid="_x0000_s4122" name="Visio" r:id="rId3" imgW="8651769" imgH="3466215" progId="Visio.Drawing.11">
                   <p:embed/>
                 </p:oleObj>
               </mc:Choice>
@@ -5573,7 +5822,7 @@
           <a:graphicData uri="http://schemas.openxmlformats.org/presentationml/2006/ole">
             <mc:AlternateContent xmlns:mc="http://schemas.openxmlformats.org/markup-compatibility/2006">
               <mc:Choice xmlns:v="urn:schemas-microsoft-com:vml" Requires="v">
-                <p:oleObj spid="_x0000_s5157" name="Visio" r:id="rId3" imgW="5231590" imgH="6788557" progId="Visio.Drawing.11">
+                <p:oleObj spid="_x0000_s5169" name="Visio" r:id="rId3" imgW="5231590" imgH="6788557" progId="Visio.Drawing.11">
                   <p:embed/>
                 </p:oleObj>
               </mc:Choice>
@@ -5666,7 +5915,7 @@
           <a:graphicData uri="http://schemas.openxmlformats.org/presentationml/2006/ole">
             <mc:AlternateContent xmlns:mc="http://schemas.openxmlformats.org/markup-compatibility/2006">
               <mc:Choice xmlns:v="urn:schemas-microsoft-com:vml" Requires="v">
-                <p:oleObj spid="_x0000_s5158" name="Visio" r:id="rId5" imgW="8651769" imgH="3466215" progId="Visio.Drawing.11">
+                <p:oleObj spid="_x0000_s5170" name="Visio" r:id="rId5" imgW="8651769" imgH="3466215" progId="Visio.Drawing.11">
                   <p:embed/>
                 </p:oleObj>
               </mc:Choice>
@@ -5739,6 +5988,212 @@
   <p:cSld>
     <p:spTree>
       <p:nvGrpSpPr>
+        <p:cNvPr id="1" name=""/>
+        <p:cNvGrpSpPr/>
+        <p:nvPr/>
+      </p:nvGrpSpPr>
+      <p:grpSpPr>
+        <a:xfrm>
+          <a:off x="0" y="0"/>
+          <a:ext cx="0" cy="0"/>
+          <a:chOff x="0" y="0"/>
+          <a:chExt cx="0" cy="0"/>
+        </a:xfrm>
+      </p:grpSpPr>
+      <p:sp>
+        <p:nvSpPr>
+          <p:cNvPr id="4" name="Text Placeholder 3"/>
+          <p:cNvSpPr>
+            <a:spLocks noGrp="1"/>
+          </p:cNvSpPr>
+          <p:nvPr>
+            <p:ph type="body" idx="1"/>
+          </p:nvPr>
+        </p:nvSpPr>
+        <p:spPr>
+          <a:xfrm>
+            <a:off x="964660" y="1378151"/>
+            <a:ext cx="10134600" cy="5003177"/>
+          </a:xfrm>
+        </p:spPr>
+        <p:txBody>
+          <a:bodyPr/>
+          <a:lstStyle/>
+          <a:p>
+            <a:pPr marL="4681538" indent="-4630738">
+              <a:buNone/>
+            </a:pPr>
+            <a:r>
+              <a:rPr lang="cs-CZ" dirty="0" smtClean="0">
+                <a:solidFill>
+                  <a:schemeClr val="accent1"/>
+                </a:solidFill>
+              </a:rPr>
+              <a:t>new Trida()</a:t>
+            </a:r>
+            <a:r>
+              <a:rPr lang="cs-CZ" dirty="0" smtClean="0"/>
+              <a:t> ... vyrobí objekt typu Trida</a:t>
+            </a:r>
+          </a:p>
+          <a:p>
+            <a:pPr marL="4803775" indent="-4752975">
+              <a:buNone/>
+            </a:pPr>
+            <a:r>
+              <a:rPr lang="cs-CZ" dirty="0" smtClean="0">
+                <a:solidFill>
+                  <a:schemeClr val="accent1"/>
+                </a:solidFill>
+              </a:rPr>
+              <a:t>new Trida(pocatecniHodnota)</a:t>
+            </a:r>
+            <a:r>
+              <a:rPr lang="cs-CZ" dirty="0" smtClean="0"/>
+              <a:t> ... vyrobí objekt typu Trida, který má výchozí nastavení vlastností</a:t>
+            </a:r>
+          </a:p>
+          <a:p>
+            <a:pPr marL="4681538" indent="-4630738">
+              <a:buNone/>
+            </a:pPr>
+            <a:r>
+              <a:rPr lang="cs-CZ" dirty="0" smtClean="0">
+                <a:solidFill>
+                  <a:schemeClr val="accent1"/>
+                </a:solidFill>
+              </a:rPr>
+              <a:t>Typ promenna</a:t>
+            </a:r>
+            <a:r>
+              <a:rPr lang="cs-CZ" dirty="0" smtClean="0"/>
+              <a:t> ... založí novou proměnnou (prázdnou)</a:t>
+            </a:r>
+          </a:p>
+          <a:p>
+            <a:pPr marL="4681538" indent="-4630738">
+              <a:buNone/>
+            </a:pPr>
+            <a:r>
+              <a:rPr lang="cs-CZ" dirty="0" smtClean="0">
+                <a:solidFill>
+                  <a:schemeClr val="accent1"/>
+                </a:solidFill>
+              </a:rPr>
+              <a:t>Typ promenna = new Trida()</a:t>
+            </a:r>
+            <a:r>
+              <a:rPr lang="cs-CZ" dirty="0" smtClean="0"/>
+              <a:t> ... kombinace předchozích</a:t>
+            </a:r>
+          </a:p>
+          <a:p>
+            <a:pPr marL="4681538" indent="-4630738">
+              <a:buNone/>
+            </a:pPr>
+            <a:r>
+              <a:rPr lang="cs-CZ" dirty="0" smtClean="0">
+                <a:solidFill>
+                  <a:schemeClr val="accent1"/>
+                </a:solidFill>
+              </a:rPr>
+              <a:t>promenna.rozkaz()</a:t>
+            </a:r>
+            <a:r>
+              <a:rPr lang="cs-CZ" dirty="0" smtClean="0"/>
+              <a:t> ... vyvolání nějakého rozkazu</a:t>
+            </a:r>
+            <a:endParaRPr lang="cs-CZ" dirty="0" smtClean="0">
+              <a:solidFill>
+                <a:schemeClr val="accent1"/>
+              </a:solidFill>
+            </a:endParaRPr>
+          </a:p>
+          <a:p>
+            <a:pPr marL="4681538" indent="-4630738">
+              <a:buNone/>
+            </a:pPr>
+            <a:r>
+              <a:rPr lang="cs-CZ" dirty="0" smtClean="0">
+                <a:solidFill>
+                  <a:schemeClr val="accent1"/>
+                </a:solidFill>
+              </a:rPr>
+              <a:t>promenna.setVlastnost(hodnota)</a:t>
+            </a:r>
+            <a:r>
+              <a:rPr lang="cs-CZ" dirty="0" smtClean="0"/>
+              <a:t> … nastaví objektu vlastnost</a:t>
+            </a:r>
+          </a:p>
+          <a:p>
+            <a:pPr marL="6681788" indent="-6630988">
+              <a:buNone/>
+            </a:pPr>
+            <a:r>
+              <a:rPr lang="cs-CZ" dirty="0" smtClean="0">
+                <a:solidFill>
+                  <a:schemeClr val="accent1"/>
+                </a:solidFill>
+              </a:rPr>
+              <a:t>jinaPromenna = promenna.getVlastnost()</a:t>
+            </a:r>
+            <a:r>
+              <a:rPr lang="cs-CZ" dirty="0" smtClean="0"/>
+              <a:t> ... zjistí od objektu hodnotu vlastnosti</a:t>
+            </a:r>
+            <a:endParaRPr lang="cs-CZ" dirty="0"/>
+          </a:p>
+        </p:txBody>
+      </p:sp>
+      <p:sp>
+        <p:nvSpPr>
+          <p:cNvPr id="3" name="Title 2"/>
+          <p:cNvSpPr>
+            <a:spLocks noGrp="1"/>
+          </p:cNvSpPr>
+          <p:nvPr>
+            <p:ph type="title"/>
+          </p:nvPr>
+        </p:nvSpPr>
+        <p:spPr/>
+        <p:txBody>
+          <a:bodyPr/>
+          <a:lstStyle/>
+          <a:p>
+            <a:r>
+              <a:rPr lang="cs-CZ" dirty="0" smtClean="0"/>
+              <a:t>Pravidla</a:t>
+            </a:r>
+            <a:endParaRPr lang="en-US" dirty="0"/>
+          </a:p>
+        </p:txBody>
+      </p:sp>
+    </p:spTree>
+    <p:extLst>
+      <p:ext uri="{BB962C8B-B14F-4D97-AF65-F5344CB8AC3E}">
+        <p14:creationId xmlns:p14="http://schemas.microsoft.com/office/powerpoint/2010/main" val="1129373954"/>
+      </p:ext>
+    </p:extLst>
+  </p:cSld>
+  <p:clrMapOvr>
+    <a:masterClrMapping/>
+  </p:clrMapOvr>
+  <p:timing>
+    <p:tnLst>
+      <p:par>
+        <p:cTn id="1" dur="indefinite" restart="never" nodeType="tmRoot"/>
+      </p:par>
+    </p:tnLst>
+  </p:timing>
+</p:sld>
+</file>
+
+<file path=ppt/slides/slide15.xml><?xml version="1.0" encoding="utf-8"?>
+<p:sld xmlns:a="http://schemas.openxmlformats.org/drawingml/2006/main" xmlns:r="http://schemas.openxmlformats.org/officeDocument/2006/relationships" xmlns:p="http://schemas.openxmlformats.org/presentationml/2006/main">
+  <p:cSld>
+    <p:spTree>
+      <p:nvGrpSpPr>
         <p:cNvPr id="1" name="Shape 64"/>
         <p:cNvGrpSpPr/>
         <p:nvPr/>
@@ -6081,7 +6536,7 @@
 </p:sld>
 </file>
 
-<file path=ppt/slides/slide15.xml><?xml version="1.0" encoding="utf-8"?>
+<file path=ppt/slides/slide16.xml><?xml version="1.0" encoding="utf-8"?>
 <p:sld xmlns:a="http://schemas.openxmlformats.org/drawingml/2006/main" xmlns:r="http://schemas.openxmlformats.org/officeDocument/2006/relationships" xmlns:p="http://schemas.openxmlformats.org/presentationml/2006/main">
   <p:cSld>
     <p:spTree>
@@ -6098,72 +6553,35 @@
           <a:chExt cx="0" cy="0"/>
         </a:xfrm>
       </p:grpSpPr>
-      <p:sp>
-        <p:nvSpPr>
-          <p:cNvPr id="2" name="Text Placeholder 1"/>
-          <p:cNvSpPr>
-            <a:spLocks noGrp="1"/>
-          </p:cNvSpPr>
+      <p:pic>
+        <p:nvPicPr>
+          <p:cNvPr id="6" name="Picture Placeholder 5"/>
+          <p:cNvPicPr>
+            <a:picLocks noGrp="1" noChangeAspect="1"/>
+          </p:cNvPicPr>
           <p:nvPr>
-            <p:ph type="body" idx="1"/>
+            <p:ph type="pic" idx="2"/>
           </p:nvPr>
-        </p:nvSpPr>
-        <p:spPr/>
-        <p:txBody>
-          <a:bodyPr/>
-          <a:lstStyle/>
-          <a:p>
-            <a:r>
-              <a:rPr lang="cs-CZ" smtClean="0"/>
-              <a:t>Strojový kód</a:t>
-            </a:r>
-          </a:p>
-          <a:p>
-            <a:r>
-              <a:rPr lang="cs-CZ" smtClean="0"/>
-              <a:t>Strukturované programovací jazyky</a:t>
-            </a:r>
-          </a:p>
-          <a:p>
-            <a:r>
-              <a:rPr lang="cs-CZ" smtClean="0"/>
-              <a:t>Objektové programovací jazyky</a:t>
-            </a:r>
-          </a:p>
-          <a:p>
-            <a:endParaRPr lang="cs-CZ"/>
-          </a:p>
-          <a:p>
-            <a:endParaRPr lang="cs-CZ" smtClean="0"/>
-          </a:p>
-          <a:p>
-            <a:r>
-              <a:rPr lang="cs-CZ" smtClean="0"/>
-              <a:t>Kompilované</a:t>
-            </a:r>
-          </a:p>
-          <a:p>
-            <a:pPr lvl="1"/>
-            <a:r>
-              <a:rPr lang="cs-CZ" smtClean="0"/>
-              <a:t>překládané do strojového kódu</a:t>
-            </a:r>
-          </a:p>
-          <a:p>
-            <a:r>
-              <a:rPr lang="cs-CZ" smtClean="0"/>
-              <a:t>Skriptovací</a:t>
-            </a:r>
-          </a:p>
-          <a:p>
-            <a:pPr lvl="1"/>
-            <a:r>
-              <a:rPr lang="cs-CZ" smtClean="0"/>
-              <a:t>Prováděné ze zdrojového textu</a:t>
-            </a:r>
-          </a:p>
-        </p:txBody>
-      </p:sp>
+        </p:nvPicPr>
+        <p:blipFill>
+          <a:blip r:embed="rId2">
+            <a:extLst>
+              <a:ext uri="{28A0092B-C50C-407E-A947-70E740481C1C}">
+                <a14:useLocalDpi xmlns:a14="http://schemas.microsoft.com/office/drawing/2010/main" val="0"/>
+              </a:ext>
+            </a:extLst>
+          </a:blip>
+          <a:stretch>
+            <a:fillRect/>
+          </a:stretch>
+        </p:blipFill>
+        <p:spPr>
+          <a:xfrm>
+            <a:off x="446857" y="1844824"/>
+            <a:ext cx="11298287" cy="4104456"/>
+          </a:xfrm>
+        </p:spPr>
+      </p:pic>
       <p:sp>
         <p:nvSpPr>
           <p:cNvPr id="3" name="Title 2"/>
@@ -6180,23 +6598,30 @@
           <a:lstStyle/>
           <a:p>
             <a:r>
-              <a:rPr lang="cs-CZ" smtClean="0"/>
-              <a:t>Jazyky</a:t>
-            </a:r>
-            <a:endParaRPr lang="cs-CZ"/>
+              <a:rPr lang="cs-CZ" dirty="0" smtClean="0"/>
+              <a:t>Návaznost kurzů</a:t>
+            </a:r>
+            <a:endParaRPr lang="en-US" dirty="0"/>
           </a:p>
         </p:txBody>
       </p:sp>
     </p:spTree>
     <p:extLst>
       <p:ext uri="{BB962C8B-B14F-4D97-AF65-F5344CB8AC3E}">
-        <p14:creationId xmlns:p14="http://schemas.microsoft.com/office/powerpoint/2010/main" val="198605977"/>
+        <p14:creationId xmlns:p14="http://schemas.microsoft.com/office/powerpoint/2010/main" val="4073291167"/>
       </p:ext>
     </p:extLst>
   </p:cSld>
   <p:clrMapOvr>
     <a:masterClrMapping/>
   </p:clrMapOvr>
+  <p:timing>
+    <p:tnLst>
+      <p:par>
+        <p:cTn id="1" dur="indefinite" restart="never" nodeType="tmRoot"/>
+      </p:par>
+    </p:tnLst>
+  </p:timing>
 </p:sld>
 </file>
 
@@ -6726,23 +7151,7 @@
                   <a:schemeClr val="accent1"/>
                 </a:solidFill>
               </a:rPr>
-              <a:t>// Cokoliv </a:t>
-            </a:r>
-            <a:r>
-              <a:rPr lang="cs-CZ" smtClean="0">
-                <a:solidFill>
-                  <a:schemeClr val="accent1"/>
-                </a:solidFill>
-              </a:rPr>
-              <a:t>sem napíšu</a:t>
-            </a:r>
-            <a:r>
-              <a:rPr lang="cs-CZ" smtClean="0">
-                <a:solidFill>
-                  <a:schemeClr val="accent1"/>
-                </a:solidFill>
-              </a:rPr>
-              <a:t>, nebude prováděno</a:t>
+              <a:t>// Cokoliv sem napíšu, nebude prováděno</a:t>
             </a:r>
           </a:p>
           <a:p>
@@ -6836,7 +7245,12 @@
             <p:ph type="body" idx="1"/>
           </p:nvPr>
         </p:nvSpPr>
-        <p:spPr/>
+        <p:spPr>
+          <a:xfrm>
+            <a:off x="964660" y="1378151"/>
+            <a:ext cx="10134600" cy="4859161"/>
+          </a:xfrm>
+        </p:spPr>
         <p:txBody>
           <a:bodyPr>
             <a:normAutofit fontScale="92500" lnSpcReduction="20000"/>
@@ -6844,14 +7258,14 @@
           <a:lstStyle/>
           <a:p>
             <a:r>
-              <a:rPr lang="cs-CZ" smtClean="0"/>
+              <a:rPr lang="cs-CZ" dirty="0" smtClean="0"/>
               <a:t>Jednoduché typy</a:t>
             </a:r>
           </a:p>
           <a:p>
             <a:pPr lvl="1"/>
             <a:r>
-              <a:rPr lang="cs-CZ" smtClean="0">
+              <a:rPr lang="cs-CZ" dirty="0" smtClean="0">
                 <a:solidFill>
                   <a:schemeClr val="accent1"/>
                 </a:solidFill>
@@ -6859,14 +7273,14 @@
               <a:t>int</a:t>
             </a:r>
             <a:r>
-              <a:rPr lang="cs-CZ" smtClean="0"/>
+              <a:rPr lang="cs-CZ" dirty="0" smtClean="0"/>
               <a:t> ............ celé číslo</a:t>
             </a:r>
           </a:p>
           <a:p>
             <a:pPr lvl="1"/>
             <a:r>
-              <a:rPr lang="cs-CZ" smtClean="0">
+              <a:rPr lang="cs-CZ" dirty="0" smtClean="0">
                 <a:solidFill>
                   <a:schemeClr val="accent1"/>
                 </a:solidFill>
@@ -6874,14 +7288,14 @@
               <a:t>double</a:t>
             </a:r>
             <a:r>
-              <a:rPr lang="cs-CZ" smtClean="0"/>
+              <a:rPr lang="cs-CZ" dirty="0" smtClean="0"/>
               <a:t> ..... číslo i s desetinnými číslicemi</a:t>
             </a:r>
           </a:p>
           <a:p>
             <a:pPr lvl="1"/>
             <a:r>
-              <a:rPr lang="cs-CZ" smtClean="0">
+              <a:rPr lang="cs-CZ" dirty="0" smtClean="0">
                 <a:solidFill>
                   <a:schemeClr val="accent1"/>
                 </a:solidFill>
@@ -6889,14 +7303,14 @@
               <a:t>char</a:t>
             </a:r>
             <a:r>
-              <a:rPr lang="cs-CZ" smtClean="0"/>
+              <a:rPr lang="cs-CZ" dirty="0" smtClean="0"/>
               <a:t> ......... jeden znak</a:t>
             </a:r>
           </a:p>
           <a:p>
             <a:pPr lvl="1"/>
             <a:r>
-              <a:rPr lang="cs-CZ" smtClean="0">
+              <a:rPr lang="cs-CZ" dirty="0" smtClean="0">
                 <a:solidFill>
                   <a:schemeClr val="accent1"/>
                 </a:solidFill>
@@ -6904,20 +7318,20 @@
               <a:t>boolean</a:t>
             </a:r>
             <a:r>
-              <a:rPr lang="cs-CZ" smtClean="0"/>
+              <a:rPr lang="cs-CZ" dirty="0" smtClean="0"/>
               <a:t> ... ano / ne</a:t>
             </a:r>
           </a:p>
           <a:p>
             <a:r>
-              <a:rPr lang="cs-CZ" smtClean="0"/>
+              <a:rPr lang="cs-CZ" dirty="0" smtClean="0"/>
               <a:t>Složené typy</a:t>
             </a:r>
           </a:p>
           <a:p>
             <a:pPr lvl="1"/>
             <a:r>
-              <a:rPr lang="cs-CZ" smtClean="0">
+              <a:rPr lang="cs-CZ" dirty="0" smtClean="0">
                 <a:solidFill>
                   <a:schemeClr val="accent1"/>
                 </a:solidFill>
@@ -6928,7 +7342,7 @@
           <a:p>
             <a:pPr lvl="1"/>
             <a:r>
-              <a:rPr lang="cs-CZ" smtClean="0">
+              <a:rPr lang="cs-CZ" dirty="0" smtClean="0">
                 <a:solidFill>
                   <a:schemeClr val="accent1"/>
                 </a:solidFill>
@@ -6939,14 +7353,58 @@
           <a:p>
             <a:pPr lvl="1"/>
             <a:r>
-              <a:rPr lang="cs-CZ" smtClean="0">
+              <a:rPr lang="cs-CZ" dirty="0" smtClean="0">
                 <a:solidFill>
                   <a:schemeClr val="accent1"/>
                 </a:solidFill>
               </a:rPr>
               <a:t>Dimension</a:t>
             </a:r>
-            <a:endParaRPr lang="cs-CZ" smtClean="0">
+          </a:p>
+          <a:p>
+            <a:pPr lvl="1"/>
+            <a:r>
+              <a:rPr lang="cs-CZ" dirty="0" smtClean="0">
+                <a:solidFill>
+                  <a:schemeClr val="accent1"/>
+                </a:solidFill>
+              </a:rPr>
+              <a:t>LocalDate</a:t>
+            </a:r>
+          </a:p>
+          <a:p>
+            <a:pPr lvl="1"/>
+            <a:r>
+              <a:rPr lang="cs-CZ" dirty="0" smtClean="0">
+                <a:solidFill>
+                  <a:schemeClr val="accent1"/>
+                </a:solidFill>
+              </a:rPr>
+              <a:t>LocalTime</a:t>
+            </a:r>
+          </a:p>
+          <a:p>
+            <a:pPr lvl="1"/>
+            <a:r>
+              <a:rPr lang="cs-CZ" dirty="0" smtClean="0">
+                <a:solidFill>
+                  <a:schemeClr val="accent1"/>
+                </a:solidFill>
+              </a:rPr>
+              <a:t>LocalDateTime</a:t>
+            </a:r>
+          </a:p>
+          <a:p>
+            <a:pPr lvl="1"/>
+            <a:r>
+              <a:rPr lang="cs-CZ" dirty="0" smtClean="0">
+                <a:solidFill>
+                  <a:schemeClr val="accent1"/>
+                </a:solidFill>
+              </a:rPr>
+              <a:t>Random</a:t>
+            </a:r>
+            <a:endParaRPr lang="en-US" dirty="0" smtClean="0">
               <a:solidFill>
                 <a:schemeClr val="accent1"/>
               </a:solidFill>
@@ -6955,47 +7413,38 @@
           <a:p>
             <a:pPr lvl="1"/>
             <a:r>
-              <a:rPr lang="cs-CZ" smtClean="0">
+              <a:rPr lang="en-US" dirty="0" smtClean="0">
                 <a:solidFill>
                   <a:schemeClr val="accent1"/>
                 </a:solidFill>
               </a:rPr>
-              <a:t>LocalDate</a:t>
-            </a:r>
-          </a:p>
-          <a:p>
-            <a:pPr lvl="1"/>
-            <a:r>
-              <a:rPr lang="cs-CZ" smtClean="0">
+              <a:t>… (a </a:t>
+            </a:r>
+            <a:r>
+              <a:rPr lang="en-US" dirty="0" err="1" smtClean="0">
                 <a:solidFill>
                   <a:schemeClr val="accent1"/>
                 </a:solidFill>
               </a:rPr>
-              <a:t>LocalTime</a:t>
-            </a:r>
-          </a:p>
-          <a:p>
-            <a:pPr lvl="1"/>
-            <a:r>
-              <a:rPr lang="cs-CZ" smtClean="0">
+              <a:t>mnoho</a:t>
+            </a:r>
+            <a:r>
+              <a:rPr lang="en-US" dirty="0" smtClean="0">
                 <a:solidFill>
                   <a:schemeClr val="accent1"/>
                 </a:solidFill>
               </a:rPr>
-              <a:t>LocalDateTime</a:t>
-            </a:r>
-          </a:p>
-          <a:p>
-            <a:pPr lvl="1"/>
-            <a:r>
-              <a:rPr lang="cs-CZ" smtClean="0">
+              <a:t> dal</a:t>
+            </a:r>
+            <a:r>
+              <a:rPr lang="cs-CZ" dirty="0" smtClean="0">
                 <a:solidFill>
                   <a:schemeClr val="accent1"/>
                 </a:solidFill>
               </a:rPr>
-              <a:t>Random</a:t>
-            </a:r>
-            <a:endParaRPr lang="cs-CZ">
+              <a:t>ších) ...</a:t>
+            </a:r>
+            <a:endParaRPr lang="cs-CZ" dirty="0">
               <a:solidFill>
                 <a:schemeClr val="accent1"/>
               </a:solidFill>
@@ -7250,7 +7699,7 @@
           <a:graphicData uri="http://schemas.openxmlformats.org/presentationml/2006/ole">
             <mc:AlternateContent xmlns:mc="http://schemas.openxmlformats.org/markup-compatibility/2006">
               <mc:Choice xmlns:v="urn:schemas-microsoft-com:vml" Requires="v">
-                <p:oleObj spid="_x0000_s1047" name="Visio" r:id="rId3" imgW="4439731" imgH="2207494" progId="Visio.Drawing.11">
+                <p:oleObj spid="_x0000_s1053" name="Visio" r:id="rId3" imgW="4439731" imgH="2207494" progId="Visio.Drawing.11">
                   <p:embed/>
                 </p:oleObj>
               </mc:Choice>

--- a/Pro lektory/Prezentace.pptx
+++ b/Pro lektory/Prezentace.pptx
@@ -5,7 +5,7 @@
     <p:sldMasterId id="2147483659" r:id="rId1"/>
   </p:sldMasterIdLst>
   <p:notesMasterIdLst>
-    <p:notesMasterId r:id="rId18"/>
+    <p:notesMasterId r:id="rId17"/>
   </p:notesMasterIdLst>
   <p:sldIdLst>
     <p:sldId id="256" r:id="rId2"/>
@@ -18,34 +18,33 @@
     <p:sldId id="265" r:id="rId9"/>
     <p:sldId id="266" r:id="rId10"/>
     <p:sldId id="267" r:id="rId11"/>
-    <p:sldId id="268" r:id="rId12"/>
-    <p:sldId id="269" r:id="rId13"/>
-    <p:sldId id="270" r:id="rId14"/>
-    <p:sldId id="273" r:id="rId15"/>
-    <p:sldId id="257" r:id="rId16"/>
-    <p:sldId id="272" r:id="rId17"/>
+    <p:sldId id="269" r:id="rId12"/>
+    <p:sldId id="270" r:id="rId13"/>
+    <p:sldId id="273" r:id="rId14"/>
+    <p:sldId id="257" r:id="rId15"/>
+    <p:sldId id="272" r:id="rId16"/>
   </p:sldIdLst>
   <p:sldSz cx="12192000" cy="6858000"/>
   <p:notesSz cx="6858000" cy="9144000"/>
   <p:embeddedFontLst>
     <p:embeddedFont>
-      <p:font typeface="Calibri" pitchFamily="34" charset="0"/>
-      <p:regular r:id="rId19"/>
-      <p:bold r:id="rId20"/>
-      <p:italic r:id="rId21"/>
-      <p:boldItalic r:id="rId22"/>
+      <p:font typeface="Amatic SC" panose="020B0604020202020204" charset="0"/>
+      <p:regular r:id="rId18"/>
+      <p:bold r:id="rId19"/>
     </p:embeddedFont>
     <p:embeddedFont>
-      <p:font typeface="Amatic SC" charset="0"/>
-      <p:regular r:id="rId23"/>
-      <p:bold r:id="rId24"/>
+      <p:font typeface="Calibri" panose="020F0502020204030204" pitchFamily="34" charset="0"/>
+      <p:regular r:id="rId20"/>
+      <p:bold r:id="rId21"/>
+      <p:italic r:id="rId22"/>
+      <p:boldItalic r:id="rId23"/>
     </p:embeddedFont>
     <p:embeddedFont>
-      <p:font typeface="Open Sans" charset="0"/>
-      <p:regular r:id="rId25"/>
-      <p:bold r:id="rId26"/>
-      <p:italic r:id="rId27"/>
-      <p:boldItalic r:id="rId28"/>
+      <p:font typeface="Open Sans" panose="020B0604020202020204" charset="0"/>
+      <p:regular r:id="rId24"/>
+      <p:bold r:id="rId25"/>
+      <p:italic r:id="rId26"/>
+      <p:boldItalic r:id="rId27"/>
     </p:embeddedFont>
   </p:embeddedFontLst>
   <p:defaultTextStyle>
@@ -250,6 +249,22 @@
       </a:defRPr>
     </a:lvl9pPr>
   </p:defaultTextStyle>
+  <p:extLst>
+    <p:ext uri="{EFAFB233-063F-42B5-8137-9DF3F51BA10A}">
+      <p15:sldGuideLst xmlns:p15="http://schemas.microsoft.com/office/powerpoint/2012/main">
+        <p15:guide id="1" orient="horz" pos="2160">
+          <p15:clr>
+            <a:srgbClr val="A4A3A4"/>
+          </p15:clr>
+        </p15:guide>
+        <p15:guide id="2" pos="3840">
+          <p15:clr>
+            <a:srgbClr val="A4A3A4"/>
+          </p15:clr>
+        </p15:guide>
+      </p15:sldGuideLst>
+    </p:ext>
+  </p:extLst>
 </p:presentation>
 </file>
 
@@ -4816,7 +4831,7 @@
               <a:buNone/>
             </a:pPr>
             <a:r>
-              <a:rPr lang="cs-CZ" sz="7200" b="1" dirty="0" smtClean="0">
+              <a:rPr lang="cs-CZ" sz="7200" b="1" dirty="0">
                 <a:effectLst>
                   <a:outerShdw blurRad="38100" dist="38100" dir="2700000" algn="tl">
                     <a:srgbClr val="000000">
@@ -4876,7 +4891,7 @@
               <a:buNone/>
             </a:pPr>
             <a:r>
-              <a:rPr lang="cs-CZ" sz="5400" b="1" dirty="0" smtClean="0">
+              <a:rPr lang="cs-CZ" sz="5400" b="1" dirty="0">
                 <a:solidFill>
                   <a:schemeClr val="accent1"/>
                 </a:solidFill>
@@ -5104,7 +5119,7 @@
           <a:p>
             <a:pPr algn="ctr"/>
             <a:r>
-              <a:rPr lang="pt-BR" sz="3900" b="1" dirty="0" smtClean="0">
+              <a:rPr lang="pt-BR" sz="3900" b="1" dirty="0">
                 <a:effectLst>
                   <a:outerShdw blurRad="38100" dist="38100" dir="2700000" algn="tl">
                     <a:srgbClr val="000000">
@@ -5117,7 +5132,7 @@
               <a:t>St</a:t>
             </a:r>
             <a:r>
-              <a:rPr lang="cs-CZ" sz="3900" b="1" dirty="0" smtClean="0">
+              <a:rPr lang="cs-CZ" sz="3900" b="1" dirty="0">
                 <a:effectLst>
                   <a:outerShdw blurRad="38100" dist="38100" dir="2700000" algn="tl">
                     <a:srgbClr val="000000">
@@ -5128,19 +5143,6 @@
                 <a:latin typeface="Calibri" panose="020F0502020204030204" pitchFamily="34" charset="0"/>
               </a:rPr>
               <a:t>áhněte si příklady:</a:t>
-            </a:r>
-            <a:r>
-              <a:rPr lang="cs-CZ" sz="3900" b="1" dirty="0">
-                <a:effectLst>
-                  <a:outerShdw blurRad="38100" dist="38100" dir="2700000" algn="tl">
-                    <a:srgbClr val="000000">
-                      <a:alpha val="43137"/>
-                    </a:srgbClr>
-                  </a:outerShdw>
-                </a:effectLst>
-                <a:latin typeface="Calibri" panose="020F0502020204030204" pitchFamily="34" charset="0"/>
-              </a:rPr>
-              <a:t/>
             </a:r>
             <a:br>
               <a:rPr lang="cs-CZ" sz="3900" b="1" dirty="0">
@@ -5185,13 +5187,6 @@
   <p:clrMapOvr>
     <a:masterClrMapping/>
   </p:clrMapOvr>
-  <p:timing>
-    <p:tnLst>
-      <p:par>
-        <p:cTn id="1" dur="indefinite" restart="never" nodeType="tmRoot"/>
-      </p:par>
-    </p:tnLst>
-  </p:timing>
 </p:sld>
 </file>
 
@@ -5228,10 +5223,9 @@
           <a:lstStyle/>
           <a:p>
             <a:r>
-              <a:rPr lang="cs-CZ" smtClean="0"/>
+              <a:rPr lang="cs-CZ"/>
               <a:t>Složené proměnné - objekty</a:t>
             </a:r>
-            <a:endParaRPr lang="cs-CZ"/>
           </a:p>
         </p:txBody>
       </p:sp>
@@ -5244,25 +5238,25 @@
           <p:nvPr>
             <p:extLst>
               <p:ext uri="{D42A27DB-BD31-4B8C-83A1-F6EECF244321}">
-                <p14:modId xmlns:p14="http://schemas.microsoft.com/office/powerpoint/2010/main" val="1059758832"/>
+                <p14:modId xmlns:p14="http://schemas.microsoft.com/office/powerpoint/2010/main" val="1240204388"/>
               </p:ext>
             </p:extLst>
           </p:nvPr>
         </p:nvGraphicFramePr>
         <p:xfrm>
-          <a:off x="950040" y="1844824"/>
-          <a:ext cx="6226080" cy="3096344"/>
+          <a:off x="944563" y="1849438"/>
+          <a:ext cx="6543675" cy="3352800"/>
         </p:xfrm>
         <a:graphic>
           <a:graphicData uri="http://schemas.openxmlformats.org/presentationml/2006/ole">
             <mc:AlternateContent xmlns:mc="http://schemas.openxmlformats.org/markup-compatibility/2006">
               <mc:Choice xmlns:v="urn:schemas-microsoft-com:vml" Requires="v">
-                <p:oleObj spid="_x0000_s2098" name="Visio" r:id="rId3" imgW="4439731" imgH="2207494" progId="Visio.Drawing.11">
+                <p:oleObj spid="_x0000_s2106" name="Visio" r:id="rId3" imgW="4655785" imgH="2384878" progId="Visio.Drawing.11">
                   <p:embed/>
                 </p:oleObj>
               </mc:Choice>
               <mc:Fallback>
-                <p:oleObj name="Visio" r:id="rId3" imgW="4439731" imgH="2207494" progId="Visio.Drawing.11">
+                <p:oleObj name="Visio" r:id="rId3" imgW="4655785" imgH="2384878" progId="Visio.Drawing.11">
                   <p:embed/>
                   <p:pic>
                     <p:nvPicPr>
@@ -5273,13 +5267,7 @@
                       <p:nvPr/>
                     </p:nvPicPr>
                     <p:blipFill>
-                      <a:blip r:embed="rId4">
-                        <a:extLst>
-                          <a:ext uri="{28A0092B-C50C-407E-A947-70E740481C1C}">
-                            <a14:useLocalDpi xmlns:a14="http://schemas.microsoft.com/office/drawing/2010/main" val="0"/>
-                          </a:ext>
-                        </a:extLst>
-                      </a:blip>
+                      <a:blip r:embed="rId4"/>
                       <a:srcRect/>
                       <a:stretch>
                         <a:fillRect/>
@@ -5287,79 +5275,8 @@
                     </p:blipFill>
                     <p:spPr bwMode="auto">
                       <a:xfrm>
-                        <a:off x="950040" y="1844824"/>
-                        <a:ext cx="6226080" cy="3096344"/>
-                      </a:xfrm>
-                      <a:prstGeom prst="rect">
-                        <a:avLst/>
-                      </a:prstGeom>
-                      <a:noFill/>
-                      <a:ln>
-                        <a:noFill/>
-                      </a:ln>
-                      <a:effectLst/>
-                    </p:spPr>
-                  </p:pic>
-                </p:oleObj>
-              </mc:Fallback>
-            </mc:AlternateContent>
-          </a:graphicData>
-        </a:graphic>
-      </p:graphicFrame>
-      <p:graphicFrame>
-        <p:nvGraphicFramePr>
-          <p:cNvPr id="6" name="Object 5"/>
-          <p:cNvGraphicFramePr>
-            <a:graphicFrameLocks noChangeAspect="1"/>
-          </p:cNvGraphicFramePr>
-          <p:nvPr>
-            <p:extLst>
-              <p:ext uri="{D42A27DB-BD31-4B8C-83A1-F6EECF244321}">
-                <p14:modId xmlns:p14="http://schemas.microsoft.com/office/powerpoint/2010/main" val="4163785187"/>
-              </p:ext>
-            </p:extLst>
-          </p:nvPr>
-        </p:nvGraphicFramePr>
-        <p:xfrm>
-          <a:off x="5303912" y="1762416"/>
-          <a:ext cx="6188698" cy="3754816"/>
-        </p:xfrm>
-        <a:graphic>
-          <a:graphicData uri="http://schemas.openxmlformats.org/presentationml/2006/ole">
-            <mc:AlternateContent xmlns:mc="http://schemas.openxmlformats.org/markup-compatibility/2006">
-              <mc:Choice xmlns:v="urn:schemas-microsoft-com:vml" Requires="v">
-                <p:oleObj spid="_x0000_s2099" name="Visio" r:id="rId5" imgW="4439731" imgH="2693595" progId="Visio.Drawing.11">
-                  <p:embed/>
-                </p:oleObj>
-              </mc:Choice>
-              <mc:Fallback>
-                <p:oleObj name="Visio" r:id="rId5" imgW="4439731" imgH="2693595" progId="Visio.Drawing.11">
-                  <p:embed/>
-                  <p:pic>
-                    <p:nvPicPr>
-                      <p:cNvPr id="0" name="Object 5"/>
-                      <p:cNvPicPr>
-                        <a:picLocks noChangeAspect="1" noChangeArrowheads="1"/>
-                      </p:cNvPicPr>
-                      <p:nvPr/>
-                    </p:nvPicPr>
-                    <p:blipFill>
-                      <a:blip r:embed="rId6">
-                        <a:extLst>
-                          <a:ext uri="{28A0092B-C50C-407E-A947-70E740481C1C}">
-                            <a14:useLocalDpi xmlns:a14="http://schemas.microsoft.com/office/drawing/2010/main" val="0"/>
-                          </a:ext>
-                        </a:extLst>
-                      </a:blip>
-                      <a:srcRect/>
-                      <a:stretch>
-                        <a:fillRect/>
-                      </a:stretch>
-                    </p:blipFill>
-                    <p:spPr bwMode="auto">
-                      <a:xfrm>
-                        <a:off x="5303912" y="1762416"/>
-                        <a:ext cx="6188698" cy="3754816"/>
+                        <a:off x="944563" y="1849438"/>
+                        <a:ext cx="6543675" cy="3352800"/>
                       </a:xfrm>
                       <a:prstGeom prst="rect">
                         <a:avLst/>
@@ -5387,252 +5304,10 @@
   <p:clrMapOvr>
     <a:masterClrMapping/>
   </p:clrMapOvr>
-  <p:timing>
-    <p:tnLst>
-      <p:par>
-        <p:cTn id="1" dur="indefinite" restart="never" nodeType="tmRoot"/>
-      </p:par>
-    </p:tnLst>
-  </p:timing>
 </p:sld>
 </file>
 
 <file path=ppt/slides/slide11.xml><?xml version="1.0" encoding="utf-8"?>
-<p:sld xmlns:a="http://schemas.openxmlformats.org/drawingml/2006/main" xmlns:r="http://schemas.openxmlformats.org/officeDocument/2006/relationships" xmlns:p="http://schemas.openxmlformats.org/presentationml/2006/main">
-  <p:cSld>
-    <p:spTree>
-      <p:nvGrpSpPr>
-        <p:cNvPr id="1" name=""/>
-        <p:cNvGrpSpPr/>
-        <p:nvPr/>
-      </p:nvGrpSpPr>
-      <p:grpSpPr>
-        <a:xfrm>
-          <a:off x="0" y="0"/>
-          <a:ext cx="0" cy="0"/>
-          <a:chOff x="0" y="0"/>
-          <a:chExt cx="0" cy="0"/>
-        </a:xfrm>
-      </p:grpSpPr>
-      <p:graphicFrame>
-        <p:nvGraphicFramePr>
-          <p:cNvPr id="2" name="Object 1"/>
-          <p:cNvGraphicFramePr>
-            <a:graphicFrameLocks noChangeAspect="1"/>
-          </p:cNvGraphicFramePr>
-          <p:nvPr>
-            <p:extLst>
-              <p:ext uri="{D42A27DB-BD31-4B8C-83A1-F6EECF244321}">
-                <p14:modId xmlns:p14="http://schemas.microsoft.com/office/powerpoint/2010/main" val="2487722965"/>
-              </p:ext>
-            </p:extLst>
-          </p:nvPr>
-        </p:nvGraphicFramePr>
-        <p:xfrm>
-          <a:off x="551384" y="2204864"/>
-          <a:ext cx="4440238" cy="1666875"/>
-        </p:xfrm>
-        <a:graphic>
-          <a:graphicData uri="http://schemas.openxmlformats.org/presentationml/2006/ole">
-            <mc:AlternateContent xmlns:mc="http://schemas.openxmlformats.org/markup-compatibility/2006">
-              <mc:Choice xmlns:v="urn:schemas-microsoft-com:vml" Requires="v">
-                <p:oleObj spid="_x0000_s3122" name="Visio" r:id="rId3" imgW="4439731" imgH="1667667" progId="Visio.Drawing.11">
-                  <p:embed/>
-                </p:oleObj>
-              </mc:Choice>
-              <mc:Fallback>
-                <p:oleObj name="Visio" r:id="rId3" imgW="4439731" imgH="1667667" progId="Visio.Drawing.11">
-                  <p:embed/>
-                  <p:pic>
-                    <p:nvPicPr>
-                      <p:cNvPr id="0" name="Object 2"/>
-                      <p:cNvPicPr>
-                        <a:picLocks noChangeAspect="1" noChangeArrowheads="1"/>
-                      </p:cNvPicPr>
-                      <p:nvPr/>
-                    </p:nvPicPr>
-                    <p:blipFill>
-                      <a:blip r:embed="rId4">
-                        <a:extLst>
-                          <a:ext uri="{28A0092B-C50C-407E-A947-70E740481C1C}">
-                            <a14:useLocalDpi xmlns:a14="http://schemas.microsoft.com/office/drawing/2010/main" val="0"/>
-                          </a:ext>
-                        </a:extLst>
-                      </a:blip>
-                      <a:srcRect/>
-                      <a:stretch>
-                        <a:fillRect/>
-                      </a:stretch>
-                    </p:blipFill>
-                    <p:spPr bwMode="auto">
-                      <a:xfrm>
-                        <a:off x="551384" y="2204864"/>
-                        <a:ext cx="4440238" cy="1666875"/>
-                      </a:xfrm>
-                      <a:prstGeom prst="rect">
-                        <a:avLst/>
-                      </a:prstGeom>
-                      <a:noFill/>
-                      <a:ln>
-                        <a:noFill/>
-                      </a:ln>
-                      <a:effectLst/>
-                      <a:extLst>
-                        <a:ext uri="{909E8E84-426E-40DD-AFC4-6F175D3DCCD1}">
-                          <a14:hiddenFill xmlns:a14="http://schemas.microsoft.com/office/drawing/2010/main">
-                            <a:solidFill>
-                              <a:schemeClr val="accent1"/>
-                            </a:solidFill>
-                          </a14:hiddenFill>
-                        </a:ext>
-                        <a:ext uri="{91240B29-F687-4F45-9708-019B960494DF}">
-                          <a14:hiddenLine xmlns:a14="http://schemas.microsoft.com/office/drawing/2010/main" w="9525">
-                            <a:solidFill>
-                              <a:schemeClr val="tx1"/>
-                            </a:solidFill>
-                            <a:miter lim="800000"/>
-                            <a:headEnd/>
-                            <a:tailEnd/>
-                          </a14:hiddenLine>
-                        </a:ext>
-                        <a:ext uri="{AF507438-7753-43E0-B8FC-AC1667EBCBE1}">
-                          <a14:hiddenEffects xmlns:a14="http://schemas.microsoft.com/office/drawing/2010/main">
-                            <a:effectLst>
-                              <a:outerShdw dist="35921" dir="2700000" algn="ctr" rotWithShape="0">
-                                <a:schemeClr val="bg2"/>
-                              </a:outerShdw>
-                            </a:effectLst>
-                          </a14:hiddenEffects>
-                        </a:ext>
-                      </a:extLst>
-                    </p:spPr>
-                  </p:pic>
-                </p:oleObj>
-              </mc:Fallback>
-            </mc:AlternateContent>
-          </a:graphicData>
-        </a:graphic>
-      </p:graphicFrame>
-      <p:graphicFrame>
-        <p:nvGraphicFramePr>
-          <p:cNvPr id="5" name="Object 4"/>
-          <p:cNvGraphicFramePr>
-            <a:graphicFrameLocks noChangeAspect="1"/>
-          </p:cNvGraphicFramePr>
-          <p:nvPr>
-            <p:extLst>
-              <p:ext uri="{D42A27DB-BD31-4B8C-83A1-F6EECF244321}">
-                <p14:modId xmlns:p14="http://schemas.microsoft.com/office/powerpoint/2010/main" val="3432056424"/>
-              </p:ext>
-            </p:extLst>
-          </p:nvPr>
-        </p:nvGraphicFramePr>
-        <p:xfrm>
-          <a:off x="5303912" y="476672"/>
-          <a:ext cx="5232400" cy="5753100"/>
-        </p:xfrm>
-        <a:graphic>
-          <a:graphicData uri="http://schemas.openxmlformats.org/presentationml/2006/ole">
-            <mc:AlternateContent xmlns:mc="http://schemas.openxmlformats.org/markup-compatibility/2006">
-              <mc:Choice xmlns:v="urn:schemas-microsoft-com:vml" Requires="v">
-                <p:oleObj spid="_x0000_s3123" name="Visio" r:id="rId5" imgW="5231644" imgH="5753471" progId="Visio.Drawing.11">
-                  <p:embed/>
-                </p:oleObj>
-              </mc:Choice>
-              <mc:Fallback>
-                <p:oleObj name="Visio" r:id="rId5" imgW="5231644" imgH="5753471" progId="Visio.Drawing.11">
-                  <p:embed/>
-                  <p:pic>
-                    <p:nvPicPr>
-                      <p:cNvPr id="0" name="Object 3"/>
-                      <p:cNvPicPr>
-                        <a:picLocks noChangeAspect="1" noChangeArrowheads="1"/>
-                      </p:cNvPicPr>
-                      <p:nvPr/>
-                    </p:nvPicPr>
-                    <p:blipFill>
-                      <a:blip r:embed="rId6">
-                        <a:extLst>
-                          <a:ext uri="{28A0092B-C50C-407E-A947-70E740481C1C}">
-                            <a14:useLocalDpi xmlns:a14="http://schemas.microsoft.com/office/drawing/2010/main" val="0"/>
-                          </a:ext>
-                        </a:extLst>
-                      </a:blip>
-                      <a:srcRect/>
-                      <a:stretch>
-                        <a:fillRect/>
-                      </a:stretch>
-                    </p:blipFill>
-                    <p:spPr bwMode="auto">
-                      <a:xfrm>
-                        <a:off x="5303912" y="476672"/>
-                        <a:ext cx="5232400" cy="5753100"/>
-                      </a:xfrm>
-                      <a:prstGeom prst="rect">
-                        <a:avLst/>
-                      </a:prstGeom>
-                      <a:noFill/>
-                      <a:ln>
-                        <a:noFill/>
-                      </a:ln>
-                      <a:effectLst/>
-                      <a:extLst>
-                        <a:ext uri="{909E8E84-426E-40DD-AFC4-6F175D3DCCD1}">
-                          <a14:hiddenFill xmlns:a14="http://schemas.microsoft.com/office/drawing/2010/main">
-                            <a:solidFill>
-                              <a:schemeClr val="accent1"/>
-                            </a:solidFill>
-                          </a14:hiddenFill>
-                        </a:ext>
-                        <a:ext uri="{91240B29-F687-4F45-9708-019B960494DF}">
-                          <a14:hiddenLine xmlns:a14="http://schemas.microsoft.com/office/drawing/2010/main" w="9525">
-                            <a:solidFill>
-                              <a:schemeClr val="tx1"/>
-                            </a:solidFill>
-                            <a:miter lim="800000"/>
-                            <a:headEnd/>
-                            <a:tailEnd/>
-                          </a14:hiddenLine>
-                        </a:ext>
-                        <a:ext uri="{AF507438-7753-43E0-B8FC-AC1667EBCBE1}">
-                          <a14:hiddenEffects xmlns:a14="http://schemas.microsoft.com/office/drawing/2010/main">
-                            <a:effectLst>
-                              <a:outerShdw dist="35921" dir="2700000" algn="ctr" rotWithShape="0">
-                                <a:schemeClr val="bg2"/>
-                              </a:outerShdw>
-                            </a:effectLst>
-                          </a14:hiddenEffects>
-                        </a:ext>
-                      </a:extLst>
-                    </p:spPr>
-                  </p:pic>
-                </p:oleObj>
-              </mc:Fallback>
-            </mc:AlternateContent>
-          </a:graphicData>
-        </a:graphic>
-      </p:graphicFrame>
-    </p:spTree>
-    <p:extLst>
-      <p:ext uri="{BB962C8B-B14F-4D97-AF65-F5344CB8AC3E}">
-        <p14:creationId xmlns:p14="http://schemas.microsoft.com/office/powerpoint/2010/main" val="4273536230"/>
-      </p:ext>
-    </p:extLst>
-  </p:cSld>
-  <p:clrMapOvr>
-    <a:masterClrMapping/>
-  </p:clrMapOvr>
-  <p:timing>
-    <p:tnLst>
-      <p:par>
-        <p:cTn id="1" dur="indefinite" restart="never" nodeType="tmRoot"/>
-      </p:par>
-    </p:tnLst>
-  </p:timing>
-</p:sld>
-</file>
-
-<file path=ppt/slides/slide12.xml><?xml version="1.0" encoding="utf-8"?>
 <p:sld xmlns:a="http://schemas.openxmlformats.org/drawingml/2006/main" xmlns:r="http://schemas.openxmlformats.org/officeDocument/2006/relationships" xmlns:p="http://schemas.openxmlformats.org/presentationml/2006/main">
   <p:cSld>
     <p:spTree>
@@ -5672,7 +5347,7 @@
           <a:graphicData uri="http://schemas.openxmlformats.org/presentationml/2006/ole">
             <mc:AlternateContent xmlns:mc="http://schemas.openxmlformats.org/markup-compatibility/2006">
               <mc:Choice xmlns:v="urn:schemas-microsoft-com:vml" Requires="v">
-                <p:oleObj spid="_x0000_s4122" name="Visio" r:id="rId3" imgW="8651769" imgH="3466215" progId="Visio.Drawing.11">
+                <p:oleObj spid="_x0000_s4127" name="Visio" r:id="rId3" imgW="8651769" imgH="3466215" progId="Visio.Drawing.11">
                   <p:embed/>
                 </p:oleObj>
               </mc:Choice>
@@ -5725,17 +5400,10 @@
   <p:clrMapOvr>
     <a:masterClrMapping/>
   </p:clrMapOvr>
-  <p:timing>
-    <p:tnLst>
-      <p:par>
-        <p:cTn id="1" dur="indefinite" restart="never" nodeType="tmRoot"/>
-      </p:par>
-    </p:tnLst>
-  </p:timing>
 </p:sld>
 </file>
 
-<file path=ppt/slides/slide13.xml><?xml version="1.0" encoding="utf-8"?>
+<file path=ppt/slides/slide12.xml><?xml version="1.0" encoding="utf-8"?>
 <p:sld xmlns:a="http://schemas.openxmlformats.org/drawingml/2006/main" xmlns:r="http://schemas.openxmlformats.org/officeDocument/2006/relationships" xmlns:p="http://schemas.openxmlformats.org/presentationml/2006/main">
   <p:cSld>
     <p:spTree>
@@ -5822,7 +5490,7 @@
           <a:graphicData uri="http://schemas.openxmlformats.org/presentationml/2006/ole">
             <mc:AlternateContent xmlns:mc="http://schemas.openxmlformats.org/markup-compatibility/2006">
               <mc:Choice xmlns:v="urn:schemas-microsoft-com:vml" Requires="v">
-                <p:oleObj spid="_x0000_s5169" name="Visio" r:id="rId3" imgW="5231590" imgH="6788557" progId="Visio.Drawing.11">
+                <p:oleObj spid="_x0000_s5179" name="Visio" r:id="rId3" imgW="5231590" imgH="6788557" progId="Visio.Drawing.11">
                   <p:embed/>
                 </p:oleObj>
               </mc:Choice>
@@ -5915,7 +5583,7 @@
           <a:graphicData uri="http://schemas.openxmlformats.org/presentationml/2006/ole">
             <mc:AlternateContent xmlns:mc="http://schemas.openxmlformats.org/markup-compatibility/2006">
               <mc:Choice xmlns:v="urn:schemas-microsoft-com:vml" Requires="v">
-                <p:oleObj spid="_x0000_s5170" name="Visio" r:id="rId5" imgW="8651769" imgH="3466215" progId="Visio.Drawing.11">
+                <p:oleObj spid="_x0000_s5180" name="Visio" r:id="rId5" imgW="8651769" imgH="3466215" progId="Visio.Drawing.11">
                   <p:embed/>
                 </p:oleObj>
               </mc:Choice>
@@ -5973,17 +5641,10 @@
   <p:clrMapOvr>
     <a:masterClrMapping/>
   </p:clrMapOvr>
-  <p:timing>
-    <p:tnLst>
-      <p:par>
-        <p:cTn id="1" dur="indefinite" restart="never" nodeType="tmRoot"/>
-      </p:par>
-    </p:tnLst>
-  </p:timing>
 </p:sld>
 </file>
 
-<file path=ppt/slides/slide14.xml><?xml version="1.0" encoding="utf-8"?>
+<file path=ppt/slides/slide13.xml><?xml version="1.0" encoding="utf-8"?>
 <p:sld xmlns:a="http://schemas.openxmlformats.org/drawingml/2006/main" xmlns:r="http://schemas.openxmlformats.org/officeDocument/2006/relationships" xmlns:p="http://schemas.openxmlformats.org/presentationml/2006/main">
   <p:cSld>
     <p:spTree>
@@ -6024,7 +5685,7 @@
               <a:buNone/>
             </a:pPr>
             <a:r>
-              <a:rPr lang="cs-CZ" dirty="0" smtClean="0">
+              <a:rPr lang="cs-CZ" dirty="0">
                 <a:solidFill>
                   <a:schemeClr val="accent1"/>
                 </a:solidFill>
@@ -6032,7 +5693,7 @@
               <a:t>new Trida()</a:t>
             </a:r>
             <a:r>
-              <a:rPr lang="cs-CZ" dirty="0" smtClean="0"/>
+              <a:rPr lang="cs-CZ" dirty="0"/>
               <a:t> ... vyrobí objekt typu Trida</a:t>
             </a:r>
           </a:p>
@@ -6041,7 +5702,7 @@
               <a:buNone/>
             </a:pPr>
             <a:r>
-              <a:rPr lang="cs-CZ" dirty="0" smtClean="0">
+              <a:rPr lang="cs-CZ" dirty="0">
                 <a:solidFill>
                   <a:schemeClr val="accent1"/>
                 </a:solidFill>
@@ -6049,7 +5710,7 @@
               <a:t>new Trida(pocatecniHodnota)</a:t>
             </a:r>
             <a:r>
-              <a:rPr lang="cs-CZ" dirty="0" smtClean="0"/>
+              <a:rPr lang="cs-CZ" dirty="0"/>
               <a:t> ... vyrobí objekt typu Trida, který má výchozí nastavení vlastností</a:t>
             </a:r>
           </a:p>
@@ -6058,7 +5719,7 @@
               <a:buNone/>
             </a:pPr>
             <a:r>
-              <a:rPr lang="cs-CZ" dirty="0" smtClean="0">
+              <a:rPr lang="cs-CZ" dirty="0">
                 <a:solidFill>
                   <a:schemeClr val="accent1"/>
                 </a:solidFill>
@@ -6066,7 +5727,7 @@
               <a:t>Typ promenna</a:t>
             </a:r>
             <a:r>
-              <a:rPr lang="cs-CZ" dirty="0" smtClean="0"/>
+              <a:rPr lang="cs-CZ" dirty="0"/>
               <a:t> ... založí novou proměnnou (prázdnou)</a:t>
             </a:r>
           </a:p>
@@ -6075,7 +5736,7 @@
               <a:buNone/>
             </a:pPr>
             <a:r>
-              <a:rPr lang="cs-CZ" dirty="0" smtClean="0">
+              <a:rPr lang="cs-CZ" dirty="0">
                 <a:solidFill>
                   <a:schemeClr val="accent1"/>
                 </a:solidFill>
@@ -6083,7 +5744,7 @@
               <a:t>Typ promenna = new Trida()</a:t>
             </a:r>
             <a:r>
-              <a:rPr lang="cs-CZ" dirty="0" smtClean="0"/>
+              <a:rPr lang="cs-CZ" dirty="0"/>
               <a:t> ... kombinace předchozích</a:t>
             </a:r>
           </a:p>
@@ -6092,7 +5753,7 @@
               <a:buNone/>
             </a:pPr>
             <a:r>
-              <a:rPr lang="cs-CZ" dirty="0" smtClean="0">
+              <a:rPr lang="cs-CZ" dirty="0">
                 <a:solidFill>
                   <a:schemeClr val="accent1"/>
                 </a:solidFill>
@@ -6100,10 +5761,10 @@
               <a:t>promenna.rozkaz()</a:t>
             </a:r>
             <a:r>
-              <a:rPr lang="cs-CZ" dirty="0" smtClean="0"/>
+              <a:rPr lang="cs-CZ" dirty="0"/>
               <a:t> ... vyvolání nějakého rozkazu</a:t>
             </a:r>
-            <a:endParaRPr lang="cs-CZ" dirty="0" smtClean="0">
+            <a:endParaRPr lang="cs-CZ" dirty="0">
               <a:solidFill>
                 <a:schemeClr val="accent1"/>
               </a:solidFill>
@@ -6114,7 +5775,7 @@
               <a:buNone/>
             </a:pPr>
             <a:r>
-              <a:rPr lang="cs-CZ" dirty="0" smtClean="0">
+              <a:rPr lang="cs-CZ" dirty="0">
                 <a:solidFill>
                   <a:schemeClr val="accent1"/>
                 </a:solidFill>
@@ -6122,7 +5783,7 @@
               <a:t>promenna.setVlastnost(hodnota)</a:t>
             </a:r>
             <a:r>
-              <a:rPr lang="cs-CZ" dirty="0" smtClean="0"/>
+              <a:rPr lang="cs-CZ" dirty="0"/>
               <a:t> … nastaví objektu vlastnost</a:t>
             </a:r>
           </a:p>
@@ -6131,7 +5792,7 @@
               <a:buNone/>
             </a:pPr>
             <a:r>
-              <a:rPr lang="cs-CZ" dirty="0" smtClean="0">
+              <a:rPr lang="cs-CZ" dirty="0">
                 <a:solidFill>
                   <a:schemeClr val="accent1"/>
                 </a:solidFill>
@@ -6139,10 +5800,9 @@
               <a:t>jinaPromenna = promenna.getVlastnost()</a:t>
             </a:r>
             <a:r>
-              <a:rPr lang="cs-CZ" dirty="0" smtClean="0"/>
+              <a:rPr lang="cs-CZ" dirty="0"/>
               <a:t> ... zjistí od objektu hodnotu vlastnosti</a:t>
             </a:r>
-            <a:endParaRPr lang="cs-CZ" dirty="0"/>
           </a:p>
         </p:txBody>
       </p:sp>
@@ -6162,7 +5822,7 @@
           <a:lstStyle/>
           <a:p>
             <a:r>
-              <a:rPr lang="cs-CZ" dirty="0" smtClean="0"/>
+              <a:rPr lang="cs-CZ" dirty="0"/>
               <a:t>Pravidla</a:t>
             </a:r>
             <a:endParaRPr lang="en-US" dirty="0"/>
@@ -6179,17 +5839,10 @@
   <p:clrMapOvr>
     <a:masterClrMapping/>
   </p:clrMapOvr>
-  <p:timing>
-    <p:tnLst>
-      <p:par>
-        <p:cTn id="1" dur="indefinite" restart="never" nodeType="tmRoot"/>
-      </p:par>
-    </p:tnLst>
-  </p:timing>
 </p:sld>
 </file>
 
-<file path=ppt/slides/slide15.xml><?xml version="1.0" encoding="utf-8"?>
+<file path=ppt/slides/slide14.xml><?xml version="1.0" encoding="utf-8"?>
 <p:sld xmlns:a="http://schemas.openxmlformats.org/drawingml/2006/main" xmlns:r="http://schemas.openxmlformats.org/officeDocument/2006/relationships" xmlns:p="http://schemas.openxmlformats.org/presentationml/2006/main">
   <p:cSld>
     <p:spTree>
@@ -6275,13 +5928,8 @@
             </a:pPr>
             <a:r>
               <a:rPr lang="cs-CZ"/>
-              <a:t>Oblasti programování otevřené běžným </a:t>
-            </a:r>
-            <a:r>
-              <a:rPr lang="cs-CZ" smtClean="0"/>
-              <a:t>smrtelníkům</a:t>
-            </a:r>
-            <a:endParaRPr lang="cs-CZ"/>
+              <a:t>Oblasti programování otevřené běžným smrtelníkům</a:t>
+            </a:r>
           </a:p>
           <a:p>
             <a:pPr lvl="0" indent="-336550">
@@ -6466,15 +6114,7 @@
             </a:r>
             <a:r>
               <a:rPr lang="cs-CZ"/>
-              <a:t> zvýrazněno, kde </a:t>
-            </a:r>
-            <a:r>
-              <a:rPr lang="cs-CZ" smtClean="0"/>
-              <a:t>lze použít </a:t>
-            </a:r>
-            <a:r>
-              <a:rPr lang="cs-CZ"/>
-              <a:t>Java</a:t>
+              <a:t> zvýrazněno, kde lze použít Java</a:t>
             </a:r>
           </a:p>
         </p:txBody>
@@ -6514,7 +6154,7 @@
               <a:buNone/>
             </a:pPr>
             <a:r>
-              <a:rPr lang="cs-CZ" smtClean="0"/>
+              <a:rPr lang="cs-CZ"/>
               <a:t>Oblasti programování</a:t>
             </a:r>
             <a:endParaRPr/>
@@ -6526,17 +6166,10 @@
   <p:clrMapOvr>
     <a:masterClrMapping/>
   </p:clrMapOvr>
-  <p:timing>
-    <p:tnLst>
-      <p:par>
-        <p:cTn id="1" dur="indefinite" restart="never" nodeType="tmRoot"/>
-      </p:par>
-    </p:tnLst>
-  </p:timing>
 </p:sld>
 </file>
 
-<file path=ppt/slides/slide16.xml><?xml version="1.0" encoding="utf-8"?>
+<file path=ppt/slides/slide15.xml><?xml version="1.0" encoding="utf-8"?>
 <p:sld xmlns:a="http://schemas.openxmlformats.org/drawingml/2006/main" xmlns:r="http://schemas.openxmlformats.org/officeDocument/2006/relationships" xmlns:p="http://schemas.openxmlformats.org/presentationml/2006/main">
   <p:cSld>
     <p:spTree>
@@ -6553,35 +6186,6 @@
           <a:chExt cx="0" cy="0"/>
         </a:xfrm>
       </p:grpSpPr>
-      <p:pic>
-        <p:nvPicPr>
-          <p:cNvPr id="6" name="Picture Placeholder 5"/>
-          <p:cNvPicPr>
-            <a:picLocks noGrp="1" noChangeAspect="1"/>
-          </p:cNvPicPr>
-          <p:nvPr>
-            <p:ph type="pic" idx="2"/>
-          </p:nvPr>
-        </p:nvPicPr>
-        <p:blipFill>
-          <a:blip r:embed="rId2">
-            <a:extLst>
-              <a:ext uri="{28A0092B-C50C-407E-A947-70E740481C1C}">
-                <a14:useLocalDpi xmlns:a14="http://schemas.microsoft.com/office/drawing/2010/main" val="0"/>
-              </a:ext>
-            </a:extLst>
-          </a:blip>
-          <a:stretch>
-            <a:fillRect/>
-          </a:stretch>
-        </p:blipFill>
-        <p:spPr>
-          <a:xfrm>
-            <a:off x="446857" y="1844824"/>
-            <a:ext cx="11298287" cy="4104456"/>
-          </a:xfrm>
-        </p:spPr>
-      </p:pic>
       <p:sp>
         <p:nvSpPr>
           <p:cNvPr id="3" name="Title 2"/>
@@ -6598,13 +6202,48 @@
           <a:lstStyle/>
           <a:p>
             <a:r>
-              <a:rPr lang="cs-CZ" dirty="0" smtClean="0"/>
+              <a:rPr lang="cs-CZ" dirty="0"/>
               <a:t>Návaznost kurzů</a:t>
             </a:r>
             <a:endParaRPr lang="en-US" dirty="0"/>
           </a:p>
         </p:txBody>
       </p:sp>
+      <p:pic>
+        <p:nvPicPr>
+          <p:cNvPr id="7" name="Picture Placeholder 6">
+            <a:extLst>
+              <a:ext uri="{FF2B5EF4-FFF2-40B4-BE49-F238E27FC236}">
+                <a16:creationId xmlns:a16="http://schemas.microsoft.com/office/drawing/2014/main" id="{84EF5C28-C3DD-4D86-9A0F-4A7F73CCE70C}"/>
+              </a:ext>
+            </a:extLst>
+          </p:cNvPr>
+          <p:cNvPicPr>
+            <a:picLocks noGrp="1" noChangeAspect="1"/>
+          </p:cNvPicPr>
+          <p:nvPr>
+            <p:ph type="pic" idx="2"/>
+          </p:nvPr>
+        </p:nvPicPr>
+        <p:blipFill>
+          <a:blip r:embed="rId2"/>
+          <a:stretch>
+            <a:fillRect/>
+          </a:stretch>
+        </p:blipFill>
+        <p:spPr>
+          <a:xfrm>
+            <a:off x="702830" y="2492896"/>
+            <a:ext cx="10786340" cy="2736304"/>
+          </a:xfrm>
+          <a:prstGeom prst="rect">
+            <a:avLst/>
+          </a:prstGeom>
+          <a:ln>
+            <a:noFill/>
+          </a:ln>
+        </p:spPr>
+      </p:pic>
     </p:spTree>
     <p:extLst>
       <p:ext uri="{BB962C8B-B14F-4D97-AF65-F5344CB8AC3E}">
@@ -6615,13 +6254,6 @@
   <p:clrMapOvr>
     <a:masterClrMapping/>
   </p:clrMapOvr>
-  <p:timing>
-    <p:tnLst>
-      <p:par>
-        <p:cTn id="1" dur="indefinite" restart="never" nodeType="tmRoot"/>
-      </p:par>
-    </p:tnLst>
-  </p:timing>
 </p:sld>
 </file>
 
@@ -6658,58 +6290,49 @@
           <a:lstStyle/>
           <a:p>
             <a:r>
-              <a:rPr lang="cs-CZ" smtClean="0"/>
+              <a:rPr lang="cs-CZ"/>
               <a:t>Objektově orientovaný jazyk</a:t>
             </a:r>
           </a:p>
           <a:p>
             <a:r>
-              <a:rPr lang="cs-CZ" smtClean="0"/>
+              <a:rPr lang="cs-CZ"/>
               <a:t>Multiplatformní</a:t>
             </a:r>
           </a:p>
           <a:p>
             <a:r>
-              <a:rPr lang="cs-CZ" smtClean="0"/>
+              <a:rPr lang="cs-CZ"/>
               <a:t>Open source</a:t>
             </a:r>
           </a:p>
           <a:p>
             <a:r>
-              <a:rPr lang="cs-CZ" smtClean="0"/>
-              <a:t>Obrovská komunita programátorů (~ </a:t>
-            </a:r>
-            <a:r>
               <a:rPr lang="cs-CZ"/>
-              <a:t>3</a:t>
-            </a:r>
-            <a:r>
-              <a:rPr lang="cs-CZ" smtClean="0"/>
-              <a:t> miliony)</a:t>
-            </a:r>
-          </a:p>
-          <a:p>
-            <a:r>
-              <a:rPr lang="cs-CZ" smtClean="0"/>
+              <a:t>Obrovská komunita programátorů (~ 3 miliony)</a:t>
+            </a:r>
+          </a:p>
+          <a:p>
+            <a:r>
+              <a:rPr lang="cs-CZ"/>
               <a:t>Jazyk na výstavbu složitějších aplikací</a:t>
             </a:r>
           </a:p>
           <a:p>
             <a:pPr lvl="1"/>
             <a:r>
-              <a:rPr lang="cs-CZ" smtClean="0"/>
+              <a:rPr lang="cs-CZ"/>
               <a:t>Kompilovaný jazyk, ne skriptovací jazyk</a:t>
             </a:r>
           </a:p>
           <a:p>
-            <a:endParaRPr lang="cs-CZ" smtClean="0"/>
-          </a:p>
-          <a:p>
-            <a:r>
-              <a:rPr lang="cs-CZ" smtClean="0"/>
+            <a:endParaRPr lang="cs-CZ"/>
+          </a:p>
+          <a:p>
+            <a:r>
+              <a:rPr lang="cs-CZ"/>
               <a:t>Java a JavaScript jsou zcela odlišné jazyky</a:t>
             </a:r>
-            <a:endParaRPr lang="cs-CZ"/>
           </a:p>
         </p:txBody>
       </p:sp>
@@ -6729,10 +6352,9 @@
           <a:lstStyle/>
           <a:p>
             <a:r>
-              <a:rPr lang="cs-CZ" smtClean="0"/>
+              <a:rPr lang="cs-CZ"/>
               <a:t>Java</a:t>
             </a:r>
-            <a:endParaRPr lang="cs-CZ"/>
           </a:p>
         </p:txBody>
       </p:sp>
@@ -6746,13 +6368,6 @@
   <p:clrMapOvr>
     <a:masterClrMapping/>
   </p:clrMapOvr>
-  <p:timing>
-    <p:tnLst>
-      <p:par>
-        <p:cTn id="1" dur="indefinite" restart="never" nodeType="tmRoot"/>
-      </p:par>
-    </p:tnLst>
-  </p:timing>
 </p:sld>
 </file>
 
@@ -6789,10 +6404,9 @@
           <a:lstStyle/>
           <a:p>
             <a:r>
-              <a:rPr lang="cs-CZ" smtClean="0"/>
+              <a:rPr lang="cs-CZ"/>
               <a:t>Jaké typy proměnných znáte?</a:t>
             </a:r>
-            <a:endParaRPr lang="cs-CZ"/>
           </a:p>
         </p:txBody>
       </p:sp>
@@ -6812,10 +6426,9 @@
           <a:lstStyle/>
           <a:p>
             <a:r>
-              <a:rPr lang="cs-CZ" smtClean="0"/>
+              <a:rPr lang="cs-CZ"/>
               <a:t>Proměnná a její typ</a:t>
             </a:r>
-            <a:endParaRPr lang="cs-CZ"/>
           </a:p>
         </p:txBody>
       </p:sp>
@@ -6829,13 +6442,6 @@
   <p:clrMapOvr>
     <a:masterClrMapping/>
   </p:clrMapOvr>
-  <p:timing>
-    <p:tnLst>
-      <p:par>
-        <p:cTn id="1" dur="indefinite" restart="never" nodeType="tmRoot"/>
-      </p:par>
-    </p:tnLst>
-  </p:timing>
 </p:sld>
 </file>
 
@@ -6872,16 +6478,15 @@
           <a:lstStyle/>
           <a:p>
             <a:r>
-              <a:rPr lang="cs-CZ" smtClean="0"/>
+              <a:rPr lang="cs-CZ"/>
               <a:t>Čísla</a:t>
             </a:r>
           </a:p>
           <a:p>
             <a:r>
-              <a:rPr lang="cs-CZ" smtClean="0"/>
+              <a:rPr lang="cs-CZ"/>
               <a:t>Písmena</a:t>
             </a:r>
-            <a:endParaRPr lang="cs-CZ"/>
           </a:p>
         </p:txBody>
       </p:sp>
@@ -6901,10 +6506,9 @@
           <a:lstStyle/>
           <a:p>
             <a:r>
-              <a:rPr lang="cs-CZ" smtClean="0"/>
+              <a:rPr lang="cs-CZ"/>
               <a:t>Proměnná a její typ</a:t>
             </a:r>
-            <a:endParaRPr lang="cs-CZ"/>
           </a:p>
         </p:txBody>
       </p:sp>
@@ -6918,13 +6522,6 @@
   <p:clrMapOvr>
     <a:masterClrMapping/>
   </p:clrMapOvr>
-  <p:timing>
-    <p:tnLst>
-      <p:par>
-        <p:cTn id="1" dur="indefinite" restart="never" nodeType="tmRoot"/>
-      </p:par>
-    </p:tnLst>
-  </p:timing>
 </p:sld>
 </file>
 
@@ -6961,7 +6558,7 @@
           <a:lstStyle/>
           <a:p>
             <a:r>
-              <a:rPr lang="cs-CZ" smtClean="0"/>
+              <a:rPr lang="cs-CZ"/>
               <a:t>Čísla</a:t>
             </a:r>
           </a:p>
@@ -6977,26 +6574,13 @@
             </a:r>
             <a:r>
               <a:rPr lang="cs-CZ"/>
-              <a:t> </a:t>
-            </a:r>
-            <a:r>
-              <a:rPr lang="cs-CZ" smtClean="0"/>
-              <a:t>.......... </a:t>
-            </a:r>
-            <a:r>
-              <a:rPr lang="cs-CZ"/>
-              <a:t>celá čísla od -</a:t>
-            </a:r>
-            <a:r>
-              <a:rPr lang="cs-CZ" smtClean="0"/>
-              <a:t>2147483648 do +2147483647</a:t>
-            </a:r>
-            <a:endParaRPr lang="cs-CZ"/>
+              <a:t> .......... celá čísla od -2147483648 do +2147483647</a:t>
+            </a:r>
           </a:p>
           <a:p>
             <a:pPr lvl="1"/>
             <a:r>
-              <a:rPr lang="cs-CZ" smtClean="0">
+              <a:rPr lang="cs-CZ">
                 <a:solidFill>
                   <a:schemeClr val="accent1"/>
                 </a:solidFill>
@@ -7004,20 +6588,20 @@
               <a:t>double</a:t>
             </a:r>
             <a:r>
-              <a:rPr lang="cs-CZ" smtClean="0"/>
+              <a:rPr lang="cs-CZ"/>
               <a:t> ... čísla i s desetinnými číslicemi</a:t>
             </a:r>
           </a:p>
           <a:p>
             <a:r>
-              <a:rPr lang="cs-CZ" smtClean="0"/>
+              <a:rPr lang="cs-CZ"/>
               <a:t>Písmena</a:t>
             </a:r>
           </a:p>
           <a:p>
             <a:pPr lvl="1"/>
             <a:r>
-              <a:rPr lang="cs-CZ" smtClean="0">
+              <a:rPr lang="cs-CZ">
                 <a:solidFill>
                   <a:schemeClr val="accent1"/>
                 </a:solidFill>
@@ -7025,10 +6609,9 @@
               <a:t>String</a:t>
             </a:r>
             <a:r>
-              <a:rPr lang="cs-CZ" smtClean="0"/>
+              <a:rPr lang="cs-CZ"/>
               <a:t> ... text, složen ze znaků</a:t>
             </a:r>
-            <a:endParaRPr lang="cs-CZ"/>
           </a:p>
         </p:txBody>
       </p:sp>
@@ -7048,10 +6631,9 @@
           <a:lstStyle/>
           <a:p>
             <a:r>
-              <a:rPr lang="cs-CZ" smtClean="0"/>
+              <a:rPr lang="cs-CZ"/>
               <a:t>Proměnná a její typ</a:t>
             </a:r>
-            <a:endParaRPr lang="cs-CZ"/>
           </a:p>
         </p:txBody>
       </p:sp>
@@ -7065,13 +6647,6 @@
   <p:clrMapOvr>
     <a:masterClrMapping/>
   </p:clrMapOvr>
-  <p:timing>
-    <p:tnLst>
-      <p:par>
-        <p:cTn id="1" dur="indefinite" restart="never" nodeType="tmRoot"/>
-      </p:par>
-    </p:tnLst>
-  </p:timing>
 </p:sld>
 </file>
 
@@ -7110,7 +6685,7 @@
           <a:lstStyle/>
           <a:p>
             <a:r>
-              <a:rPr lang="cs-CZ" smtClean="0"/>
+              <a:rPr lang="cs-CZ"/>
               <a:t>Používejte našeptávač v editoru IntelliJ IDEA</a:t>
             </a:r>
           </a:p>
@@ -7119,25 +6694,25 @@
               <a:buNone/>
             </a:pPr>
             <a:r>
-              <a:rPr lang="cs-CZ" smtClean="0"/>
+              <a:rPr lang="cs-CZ"/>
               <a:t>CTRL + Mezerník</a:t>
             </a:r>
           </a:p>
           <a:p>
-            <a:endParaRPr lang="cs-CZ" smtClean="0"/>
-          </a:p>
-          <a:p>
-            <a:r>
-              <a:rPr lang="cs-CZ" smtClean="0"/>
+            <a:endParaRPr lang="cs-CZ"/>
+          </a:p>
+          <a:p>
+            <a:r>
+              <a:rPr lang="cs-CZ"/>
               <a:t>Jak zkopírovat/vyrobit zálohu projektu?</a:t>
             </a:r>
           </a:p>
           <a:p>
-            <a:endParaRPr lang="cs-CZ" smtClean="0"/>
-          </a:p>
-          <a:p>
-            <a:r>
-              <a:rPr lang="cs-CZ" smtClean="0"/>
+            <a:endParaRPr lang="cs-CZ"/>
+          </a:p>
+          <a:p>
+            <a:r>
+              <a:rPr lang="cs-CZ"/>
               <a:t>Řádkový komentář</a:t>
             </a:r>
           </a:p>
@@ -7146,7 +6721,7 @@
               <a:buNone/>
             </a:pPr>
             <a:r>
-              <a:rPr lang="cs-CZ" smtClean="0">
+              <a:rPr lang="cs-CZ">
                 <a:solidFill>
                   <a:schemeClr val="accent1"/>
                 </a:solidFill>
@@ -7156,7 +6731,7 @@
           </a:p>
           <a:p>
             <a:r>
-              <a:rPr lang="cs-CZ" smtClean="0"/>
+              <a:rPr lang="cs-CZ"/>
               <a:t>Blokový komentář</a:t>
             </a:r>
           </a:p>
@@ -7165,7 +6740,7 @@
               <a:buNone/>
             </a:pPr>
             <a:r>
-              <a:rPr lang="cs-CZ" smtClean="0">
+              <a:rPr lang="cs-CZ">
                 <a:solidFill>
                   <a:schemeClr val="accent1"/>
                 </a:solidFill>
@@ -7191,10 +6766,9 @@
           <a:lstStyle/>
           <a:p>
             <a:r>
-              <a:rPr lang="cs-CZ" smtClean="0"/>
+              <a:rPr lang="cs-CZ"/>
               <a:t>Úkrok stranou</a:t>
             </a:r>
-            <a:endParaRPr lang="cs-CZ"/>
           </a:p>
         </p:txBody>
       </p:sp>
@@ -7208,13 +6782,6 @@
   <p:clrMapOvr>
     <a:masterClrMapping/>
   </p:clrMapOvr>
-  <p:timing>
-    <p:tnLst>
-      <p:par>
-        <p:cTn id="1" dur="indefinite" restart="never" nodeType="tmRoot"/>
-      </p:par>
-    </p:tnLst>
-  </p:timing>
 </p:sld>
 </file>
 
@@ -7253,19 +6820,19 @@
         </p:spPr>
         <p:txBody>
           <a:bodyPr>
-            <a:normAutofit fontScale="92500" lnSpcReduction="20000"/>
+            <a:normAutofit fontScale="92500" lnSpcReduction="10000"/>
           </a:bodyPr>
           <a:lstStyle/>
           <a:p>
             <a:r>
-              <a:rPr lang="cs-CZ" dirty="0" smtClean="0"/>
+              <a:rPr lang="cs-CZ" dirty="0"/>
               <a:t>Jednoduché typy</a:t>
             </a:r>
           </a:p>
           <a:p>
             <a:pPr lvl="1"/>
             <a:r>
-              <a:rPr lang="cs-CZ" dirty="0" smtClean="0">
+              <a:rPr lang="cs-CZ" dirty="0">
                 <a:solidFill>
                   <a:schemeClr val="accent1"/>
                 </a:solidFill>
@@ -7273,14 +6840,14 @@
               <a:t>int</a:t>
             </a:r>
             <a:r>
-              <a:rPr lang="cs-CZ" dirty="0" smtClean="0"/>
+              <a:rPr lang="cs-CZ" dirty="0"/>
               <a:t> ............ celé číslo</a:t>
             </a:r>
           </a:p>
           <a:p>
             <a:pPr lvl="1"/>
             <a:r>
-              <a:rPr lang="cs-CZ" dirty="0" smtClean="0">
+              <a:rPr lang="cs-CZ" dirty="0">
                 <a:solidFill>
                   <a:schemeClr val="accent1"/>
                 </a:solidFill>
@@ -7288,14 +6855,14 @@
               <a:t>double</a:t>
             </a:r>
             <a:r>
-              <a:rPr lang="cs-CZ" dirty="0" smtClean="0"/>
+              <a:rPr lang="cs-CZ" dirty="0"/>
               <a:t> ..... číslo i s desetinnými číslicemi</a:t>
             </a:r>
           </a:p>
           <a:p>
             <a:pPr lvl="1"/>
             <a:r>
-              <a:rPr lang="cs-CZ" dirty="0" smtClean="0">
+              <a:rPr lang="cs-CZ" dirty="0">
                 <a:solidFill>
                   <a:schemeClr val="accent1"/>
                 </a:solidFill>
@@ -7303,14 +6870,14 @@
               <a:t>char</a:t>
             </a:r>
             <a:r>
-              <a:rPr lang="cs-CZ" dirty="0" smtClean="0"/>
+              <a:rPr lang="cs-CZ" dirty="0"/>
               <a:t> ......... jeden znak</a:t>
             </a:r>
           </a:p>
           <a:p>
             <a:pPr lvl="1"/>
             <a:r>
-              <a:rPr lang="cs-CZ" dirty="0" smtClean="0">
+              <a:rPr lang="cs-CZ" dirty="0">
                 <a:solidFill>
                   <a:schemeClr val="accent1"/>
                 </a:solidFill>
@@ -7318,20 +6885,20 @@
               <a:t>boolean</a:t>
             </a:r>
             <a:r>
-              <a:rPr lang="cs-CZ" dirty="0" smtClean="0"/>
+              <a:rPr lang="cs-CZ" dirty="0"/>
               <a:t> ... ano / ne</a:t>
             </a:r>
           </a:p>
           <a:p>
             <a:r>
-              <a:rPr lang="cs-CZ" dirty="0" smtClean="0"/>
+              <a:rPr lang="cs-CZ" dirty="0"/>
               <a:t>Složené typy</a:t>
             </a:r>
           </a:p>
           <a:p>
             <a:pPr lvl="1"/>
             <a:r>
-              <a:rPr lang="cs-CZ" dirty="0" smtClean="0">
+              <a:rPr lang="cs-CZ" dirty="0">
                 <a:solidFill>
                   <a:schemeClr val="accent1"/>
                 </a:solidFill>
@@ -7342,69 +6909,14 @@
           <a:p>
             <a:pPr lvl="1"/>
             <a:r>
-              <a:rPr lang="cs-CZ" dirty="0" smtClean="0">
+              <a:rPr lang="cs-CZ">
                 <a:solidFill>
                   <a:schemeClr val="accent1"/>
                 </a:solidFill>
               </a:rPr>
               <a:t>Color</a:t>
             </a:r>
-          </a:p>
-          <a:p>
-            <a:pPr lvl="1"/>
-            <a:r>
-              <a:rPr lang="cs-CZ" dirty="0" smtClean="0">
-                <a:solidFill>
-                  <a:schemeClr val="accent1"/>
-                </a:solidFill>
-              </a:rPr>
-              <a:t>Dimension</a:t>
-            </a:r>
-          </a:p>
-          <a:p>
-            <a:pPr lvl="1"/>
-            <a:r>
-              <a:rPr lang="cs-CZ" dirty="0" smtClean="0">
-                <a:solidFill>
-                  <a:schemeClr val="accent1"/>
-                </a:solidFill>
-              </a:rPr>
-              <a:t>LocalDate</a:t>
-            </a:r>
-          </a:p>
-          <a:p>
-            <a:pPr lvl="1"/>
-            <a:r>
-              <a:rPr lang="cs-CZ" dirty="0" smtClean="0">
-                <a:solidFill>
-                  <a:schemeClr val="accent1"/>
-                </a:solidFill>
-              </a:rPr>
-              <a:t>LocalTime</a:t>
-            </a:r>
-          </a:p>
-          <a:p>
-            <a:pPr lvl="1"/>
-            <a:r>
-              <a:rPr lang="cs-CZ" dirty="0" smtClean="0">
-                <a:solidFill>
-                  <a:schemeClr val="accent1"/>
-                </a:solidFill>
-              </a:rPr>
-              <a:t>LocalDateTime</a:t>
-            </a:r>
-          </a:p>
-          <a:p>
-            <a:pPr lvl="1"/>
-            <a:r>
-              <a:rPr lang="cs-CZ" dirty="0" smtClean="0">
-                <a:solidFill>
-                  <a:schemeClr val="accent1"/>
-                </a:solidFill>
-              </a:rPr>
-              <a:t>Random</a:t>
-            </a:r>
-            <a:endParaRPr lang="en-US" dirty="0" smtClean="0">
+            <a:endParaRPr lang="en-US">
               <a:solidFill>
                 <a:schemeClr val="accent1"/>
               </a:solidFill>
@@ -7413,42 +6925,101 @@
           <a:p>
             <a:pPr lvl="1"/>
             <a:r>
-              <a:rPr lang="en-US" dirty="0" smtClean="0">
+              <a:rPr lang="en-US">
                 <a:solidFill>
                   <a:schemeClr val="accent1"/>
                 </a:solidFill>
               </a:rPr>
-              <a:t>… (a </a:t>
-            </a:r>
-            <a:r>
-              <a:rPr lang="en-US" dirty="0" err="1" smtClean="0">
-                <a:solidFill>
-                  <a:schemeClr val="accent1"/>
-                </a:solidFill>
-              </a:rPr>
-              <a:t>mnoho</a:t>
-            </a:r>
-            <a:r>
-              <a:rPr lang="en-US" dirty="0" smtClean="0">
-                <a:solidFill>
-                  <a:schemeClr val="accent1"/>
-                </a:solidFill>
-              </a:rPr>
-              <a:t> dal</a:t>
-            </a:r>
-            <a:r>
-              <a:rPr lang="cs-CZ" dirty="0" smtClean="0">
-                <a:solidFill>
-                  <a:schemeClr val="accent1"/>
-                </a:solidFill>
-              </a:rPr>
-              <a:t>ších) ...</a:t>
+              <a:t>Point</a:t>
             </a:r>
             <a:endParaRPr lang="cs-CZ" dirty="0">
               <a:solidFill>
                 <a:schemeClr val="accent1"/>
               </a:solidFill>
             </a:endParaRPr>
+          </a:p>
+          <a:p>
+            <a:pPr lvl="1"/>
+            <a:r>
+              <a:rPr lang="cs-CZ">
+                <a:solidFill>
+                  <a:schemeClr val="accent1"/>
+                </a:solidFill>
+              </a:rPr>
+              <a:t>Dimension</a:t>
+            </a:r>
+            <a:endParaRPr lang="en-US">
+              <a:solidFill>
+                <a:schemeClr val="accent1"/>
+              </a:solidFill>
+            </a:endParaRPr>
+          </a:p>
+          <a:p>
+            <a:pPr lvl="1"/>
+            <a:r>
+              <a:rPr lang="en-US">
+                <a:solidFill>
+                  <a:schemeClr val="accent1"/>
+                </a:solidFill>
+              </a:rPr>
+              <a:t>JFrame</a:t>
+            </a:r>
+            <a:endParaRPr lang="cs-CZ" dirty="0">
+              <a:solidFill>
+                <a:schemeClr val="accent1"/>
+              </a:solidFill>
+            </a:endParaRPr>
+          </a:p>
+          <a:p>
+            <a:pPr lvl="1"/>
+            <a:r>
+              <a:rPr lang="cs-CZ">
+                <a:solidFill>
+                  <a:schemeClr val="accent1"/>
+                </a:solidFill>
+              </a:rPr>
+              <a:t>Random</a:t>
+            </a:r>
+            <a:endParaRPr lang="en-US" dirty="0">
+              <a:solidFill>
+                <a:schemeClr val="accent1"/>
+              </a:solidFill>
+            </a:endParaRPr>
+          </a:p>
+          <a:p>
+            <a:pPr lvl="1"/>
+            <a:r>
+              <a:rPr lang="en-US" dirty="0">
+                <a:solidFill>
+                  <a:schemeClr val="accent1"/>
+                </a:solidFill>
+              </a:rPr>
+              <a:t>… (a </a:t>
+            </a:r>
+            <a:r>
+              <a:rPr lang="en-US" dirty="0" err="1">
+                <a:solidFill>
+                  <a:schemeClr val="accent1"/>
+                </a:solidFill>
+              </a:rPr>
+              <a:t>mnoho</a:t>
+            </a:r>
+            <a:r>
+              <a:rPr lang="en-US" dirty="0">
+                <a:solidFill>
+                  <a:schemeClr val="accent1"/>
+                </a:solidFill>
+              </a:rPr>
+              <a:t> dal</a:t>
+            </a:r>
+            <a:r>
+              <a:rPr lang="cs-CZ" dirty="0">
+                <a:solidFill>
+                  <a:schemeClr val="accent1"/>
+                </a:solidFill>
+              </a:rPr>
+              <a:t>ších) ...</a:t>
+            </a:r>
           </a:p>
         </p:txBody>
       </p:sp>
@@ -7468,10 +7039,9 @@
           <a:lstStyle/>
           <a:p>
             <a:r>
-              <a:rPr lang="cs-CZ" smtClean="0"/>
+              <a:rPr lang="cs-CZ"/>
               <a:t>Tak pořádně</a:t>
             </a:r>
-            <a:endParaRPr lang="cs-CZ"/>
           </a:p>
         </p:txBody>
       </p:sp>
@@ -7485,13 +7055,6 @@
   <p:clrMapOvr>
     <a:masterClrMapping/>
   </p:clrMapOvr>
-  <p:timing>
-    <p:tnLst>
-      <p:par>
-        <p:cTn id="1" dur="indefinite" restart="never" nodeType="tmRoot"/>
-      </p:par>
-    </p:tnLst>
-  </p:timing>
 </p:sld>
 </file>
 
@@ -7528,18 +7091,18 @@
           <a:lstStyle/>
           <a:p>
             <a:r>
-              <a:rPr lang="cs-CZ" smtClean="0"/>
+              <a:rPr lang="cs-CZ"/>
               <a:t>Na Úvodu do programování se probíraly</a:t>
             </a:r>
           </a:p>
           <a:p>
             <a:pPr lvl="1"/>
             <a:r>
-              <a:rPr lang="cs-CZ" smtClean="0"/>
+              <a:rPr lang="cs-CZ"/>
               <a:t>Podmínky ... </a:t>
             </a:r>
             <a:r>
-              <a:rPr lang="cs-CZ" smtClean="0">
+              <a:rPr lang="cs-CZ">
                 <a:solidFill>
                   <a:schemeClr val="accent1"/>
                 </a:solidFill>
@@ -7550,11 +7113,11 @@
           <a:p>
             <a:pPr lvl="1"/>
             <a:r>
-              <a:rPr lang="cs-CZ" smtClean="0"/>
+              <a:rPr lang="cs-CZ"/>
               <a:t>Cykly .......... </a:t>
             </a:r>
             <a:r>
-              <a:rPr lang="cs-CZ" smtClean="0">
+              <a:rPr lang="cs-CZ">
                 <a:solidFill>
                   <a:schemeClr val="accent1"/>
                 </a:solidFill>
@@ -7562,11 +7125,11 @@
               <a:t>while</a:t>
             </a:r>
             <a:r>
-              <a:rPr lang="cs-CZ" smtClean="0"/>
+              <a:rPr lang="cs-CZ"/>
               <a:t>, </a:t>
             </a:r>
             <a:r>
-              <a:rPr lang="cs-CZ" smtClean="0">
+              <a:rPr lang="cs-CZ">
                 <a:solidFill>
                   <a:schemeClr val="accent1"/>
                 </a:solidFill>
@@ -7575,21 +7138,20 @@
             </a:r>
           </a:p>
           <a:p>
-            <a:endParaRPr lang="cs-CZ" smtClean="0"/>
-          </a:p>
-          <a:p>
-            <a:r>
-              <a:rPr lang="cs-CZ" smtClean="0"/>
+            <a:endParaRPr lang="cs-CZ"/>
+          </a:p>
+          <a:p>
+            <a:r>
+              <a:rPr lang="cs-CZ"/>
               <a:t>Ty se samozřejmě používají i v Javě</a:t>
             </a:r>
           </a:p>
           <a:p>
             <a:pPr lvl="1"/>
             <a:r>
-              <a:rPr lang="cs-CZ" smtClean="0"/>
+              <a:rPr lang="cs-CZ"/>
               <a:t>ale navíc k nim máme objekty</a:t>
             </a:r>
-            <a:endParaRPr lang="cs-CZ"/>
           </a:p>
         </p:txBody>
       </p:sp>
@@ -7609,10 +7171,9 @@
           <a:lstStyle/>
           <a:p>
             <a:r>
-              <a:rPr lang="cs-CZ" smtClean="0"/>
+              <a:rPr lang="cs-CZ"/>
               <a:t>Podmínky a cykly?</a:t>
             </a:r>
-            <a:endParaRPr lang="cs-CZ"/>
           </a:p>
         </p:txBody>
       </p:sp>
@@ -7626,13 +7187,6 @@
   <p:clrMapOvr>
     <a:masterClrMapping/>
   </p:clrMapOvr>
-  <p:timing>
-    <p:tnLst>
-      <p:par>
-        <p:cTn id="1" dur="indefinite" restart="never" nodeType="tmRoot"/>
-      </p:par>
-    </p:tnLst>
-  </p:timing>
 </p:sld>
 </file>
 
@@ -7669,10 +7223,9 @@
           <a:lstStyle/>
           <a:p>
             <a:r>
-              <a:rPr lang="cs-CZ" smtClean="0"/>
+              <a:rPr lang="cs-CZ"/>
               <a:t>Složené proměnné - objekty</a:t>
             </a:r>
-            <a:endParaRPr lang="cs-CZ"/>
           </a:p>
         </p:txBody>
       </p:sp>
@@ -7699,7 +7252,7 @@
           <a:graphicData uri="http://schemas.openxmlformats.org/presentationml/2006/ole">
             <mc:AlternateContent xmlns:mc="http://schemas.openxmlformats.org/markup-compatibility/2006">
               <mc:Choice xmlns:v="urn:schemas-microsoft-com:vml" Requires="v">
-                <p:oleObj spid="_x0000_s1053" name="Visio" r:id="rId3" imgW="4439731" imgH="2207494" progId="Visio.Drawing.11">
+                <p:oleObj spid="_x0000_s1058" name="Visio" r:id="rId3" imgW="4439731" imgH="2207494" progId="Visio.Drawing.11">
                   <p:embed/>
                 </p:oleObj>
               </mc:Choice>
@@ -7757,13 +7310,6 @@
   <p:clrMapOvr>
     <a:masterClrMapping/>
   </p:clrMapOvr>
-  <p:timing>
-    <p:tnLst>
-      <p:par>
-        <p:cTn id="1" dur="indefinite" restart="never" nodeType="tmRoot"/>
-      </p:par>
-    </p:tnLst>
-  </p:timing>
 </p:sld>
 </file>
 
